--- a/img/images.pptx
+++ b/img/images.pptx
@@ -5,10 +5,11 @@
     <p:sldMasterId id="2147483648" r:id="rId1"/>
   </p:sldMasterIdLst>
   <p:notesMasterIdLst>
-    <p:notesMasterId r:id="rId3"/>
+    <p:notesMasterId r:id="rId4"/>
   </p:notesMasterIdLst>
   <p:sldIdLst>
     <p:sldId id="256" r:id="rId2"/>
+    <p:sldId id="257" r:id="rId3"/>
   </p:sldIdLst>
   <p:sldSz cx="12192000" cy="6858000"/>
   <p:notesSz cx="6858000" cy="9144000"/>
@@ -107,7 +108,16 @@
       </a:defRPr>
     </a:lvl9pPr>
   </p:defaultTextStyle>
+  <p:extLst>
+    <p:ext uri="{EFAFB233-063F-42B5-8137-9DF3F51BA10A}">
+      <p15:sldGuideLst xmlns:p15="http://schemas.microsoft.com/office/powerpoint/2012/main"/>
+    </p:ext>
+  </p:extLst>
 </p:presentation>
+</file>
+
+<file path=ppt/revisionInfo.xml><?xml version="1.0" encoding="utf-8"?>
+<p1510:revInfo xmlns:a="http://schemas.openxmlformats.org/drawingml/2006/main" xmlns:r="http://schemas.openxmlformats.org/officeDocument/2006/relationships" xmlns:p1510="http://schemas.microsoft.com/office/powerpoint/2015/10/main"/>
 </file>
 
 <file path=ppt/notesMasters/notesMaster1.xml><?xml version="1.0" encoding="utf-8"?>
@@ -192,7 +202,7 @@
           <a:p>
             <a:fld id="{3BC1ECBB-3C71-4600-9FBD-125606CE029B}" type="datetimeFigureOut">
               <a:rPr lang="en-US" smtClean="0"/>
-              <a:t>06-Dec-17</a:t>
+              <a:t>07-Dec-17</a:t>
             </a:fld>
             <a:endParaRPr lang="en-US"/>
           </a:p>
@@ -543,6 +553,90 @@
 </p:notes>
 </file>
 
+<file path=ppt/notesSlides/notesSlide2.xml><?xml version="1.0" encoding="utf-8"?>
+<p:notes xmlns:a="http://schemas.openxmlformats.org/drawingml/2006/main" xmlns:r="http://schemas.openxmlformats.org/officeDocument/2006/relationships" xmlns:p="http://schemas.openxmlformats.org/presentationml/2006/main">
+  <p:cSld>
+    <p:spTree>
+      <p:nvGrpSpPr>
+        <p:cNvPr id="1" name=""/>
+        <p:cNvGrpSpPr/>
+        <p:nvPr/>
+      </p:nvGrpSpPr>
+      <p:grpSpPr>
+        <a:xfrm>
+          <a:off x="0" y="0"/>
+          <a:ext cx="0" cy="0"/>
+          <a:chOff x="0" y="0"/>
+          <a:chExt cx="0" cy="0"/>
+        </a:xfrm>
+      </p:grpSpPr>
+      <p:sp>
+        <p:nvSpPr>
+          <p:cNvPr id="2" name="Slide Image Placeholder 1"/>
+          <p:cNvSpPr>
+            <a:spLocks noGrp="1" noRot="1" noChangeAspect="1"/>
+          </p:cNvSpPr>
+          <p:nvPr>
+            <p:ph type="sldImg"/>
+          </p:nvPr>
+        </p:nvSpPr>
+        <p:spPr/>
+      </p:sp>
+      <p:sp>
+        <p:nvSpPr>
+          <p:cNvPr id="3" name="Notes Placeholder 2"/>
+          <p:cNvSpPr>
+            <a:spLocks noGrp="1"/>
+          </p:cNvSpPr>
+          <p:nvPr>
+            <p:ph type="body" idx="1"/>
+          </p:nvPr>
+        </p:nvSpPr>
+        <p:spPr/>
+        <p:txBody>
+          <a:bodyPr/>
+          <a:lstStyle/>
+          <a:p>
+            <a:endParaRPr lang="en-US"/>
+          </a:p>
+        </p:txBody>
+      </p:sp>
+      <p:sp>
+        <p:nvSpPr>
+          <p:cNvPr id="4" name="Slide Number Placeholder 3"/>
+          <p:cNvSpPr>
+            <a:spLocks noGrp="1"/>
+          </p:cNvSpPr>
+          <p:nvPr>
+            <p:ph type="sldNum" sz="quarter" idx="10"/>
+          </p:nvPr>
+        </p:nvSpPr>
+        <p:spPr/>
+        <p:txBody>
+          <a:bodyPr/>
+          <a:lstStyle/>
+          <a:p>
+            <a:fld id="{552E9CFC-0DB7-47DD-9F48-1005619483C5}" type="slidenum">
+              <a:rPr lang="en-US" smtClean="0"/>
+              <a:t>2</a:t>
+            </a:fld>
+            <a:endParaRPr lang="en-US"/>
+          </a:p>
+        </p:txBody>
+      </p:sp>
+    </p:spTree>
+    <p:extLst>
+      <p:ext uri="{BB962C8B-B14F-4D97-AF65-F5344CB8AC3E}">
+        <p14:creationId xmlns:p14="http://schemas.microsoft.com/office/powerpoint/2010/main" val="3145305939"/>
+      </p:ext>
+    </p:extLst>
+  </p:cSld>
+  <p:clrMapOvr>
+    <a:masterClrMapping/>
+  </p:clrMapOvr>
+</p:notes>
+</file>
+
 <file path=ppt/slideLayouts/slideLayout1.xml><?xml version="1.0" encoding="utf-8"?>
 <p:sldLayout xmlns:a="http://schemas.openxmlformats.org/drawingml/2006/main" xmlns:r="http://schemas.openxmlformats.org/officeDocument/2006/relationships" xmlns:p="http://schemas.openxmlformats.org/presentationml/2006/main" type="title" preserve="1">
   <p:cSld name="Title Slide">
@@ -690,7 +784,7 @@
           <a:p>
             <a:fld id="{71735FF9-0559-4A46-939B-25388D5ADC79}" type="datetimeFigureOut">
               <a:rPr lang="en-US" smtClean="0"/>
-              <a:t>06-Dec-17</a:t>
+              <a:t>07-Dec-17</a:t>
             </a:fld>
             <a:endParaRPr lang="en-US"/>
           </a:p>
@@ -888,7 +982,7 @@
           <a:p>
             <a:fld id="{71735FF9-0559-4A46-939B-25388D5ADC79}" type="datetimeFigureOut">
               <a:rPr lang="en-US" smtClean="0"/>
-              <a:t>06-Dec-17</a:t>
+              <a:t>07-Dec-17</a:t>
             </a:fld>
             <a:endParaRPr lang="en-US"/>
           </a:p>
@@ -1096,7 +1190,7 @@
           <a:p>
             <a:fld id="{71735FF9-0559-4A46-939B-25388D5ADC79}" type="datetimeFigureOut">
               <a:rPr lang="en-US" smtClean="0"/>
-              <a:t>06-Dec-17</a:t>
+              <a:t>07-Dec-17</a:t>
             </a:fld>
             <a:endParaRPr lang="en-US"/>
           </a:p>
@@ -1294,7 +1388,7 @@
           <a:p>
             <a:fld id="{71735FF9-0559-4A46-939B-25388D5ADC79}" type="datetimeFigureOut">
               <a:rPr lang="en-US" smtClean="0"/>
-              <a:t>06-Dec-17</a:t>
+              <a:t>07-Dec-17</a:t>
             </a:fld>
             <a:endParaRPr lang="en-US"/>
           </a:p>
@@ -1569,7 +1663,7 @@
           <a:p>
             <a:fld id="{71735FF9-0559-4A46-939B-25388D5ADC79}" type="datetimeFigureOut">
               <a:rPr lang="en-US" smtClean="0"/>
-              <a:t>06-Dec-17</a:t>
+              <a:t>07-Dec-17</a:t>
             </a:fld>
             <a:endParaRPr lang="en-US"/>
           </a:p>
@@ -1834,7 +1928,7 @@
           <a:p>
             <a:fld id="{71735FF9-0559-4A46-939B-25388D5ADC79}" type="datetimeFigureOut">
               <a:rPr lang="en-US" smtClean="0"/>
-              <a:t>06-Dec-17</a:t>
+              <a:t>07-Dec-17</a:t>
             </a:fld>
             <a:endParaRPr lang="en-US"/>
           </a:p>
@@ -2246,7 +2340,7 @@
           <a:p>
             <a:fld id="{71735FF9-0559-4A46-939B-25388D5ADC79}" type="datetimeFigureOut">
               <a:rPr lang="en-US" smtClean="0"/>
-              <a:t>06-Dec-17</a:t>
+              <a:t>07-Dec-17</a:t>
             </a:fld>
             <a:endParaRPr lang="en-US"/>
           </a:p>
@@ -2387,7 +2481,7 @@
           <a:p>
             <a:fld id="{71735FF9-0559-4A46-939B-25388D5ADC79}" type="datetimeFigureOut">
               <a:rPr lang="en-US" smtClean="0"/>
-              <a:t>06-Dec-17</a:t>
+              <a:t>07-Dec-17</a:t>
             </a:fld>
             <a:endParaRPr lang="en-US"/>
           </a:p>
@@ -2500,7 +2594,7 @@
           <a:p>
             <a:fld id="{71735FF9-0559-4A46-939B-25388D5ADC79}" type="datetimeFigureOut">
               <a:rPr lang="en-US" smtClean="0"/>
-              <a:t>06-Dec-17</a:t>
+              <a:t>07-Dec-17</a:t>
             </a:fld>
             <a:endParaRPr lang="en-US"/>
           </a:p>
@@ -2811,7 +2905,7 @@
           <a:p>
             <a:fld id="{71735FF9-0559-4A46-939B-25388D5ADC79}" type="datetimeFigureOut">
               <a:rPr lang="en-US" smtClean="0"/>
-              <a:t>06-Dec-17</a:t>
+              <a:t>07-Dec-17</a:t>
             </a:fld>
             <a:endParaRPr lang="en-US"/>
           </a:p>
@@ -3099,7 +3193,7 @@
           <a:p>
             <a:fld id="{71735FF9-0559-4A46-939B-25388D5ADC79}" type="datetimeFigureOut">
               <a:rPr lang="en-US" smtClean="0"/>
-              <a:t>06-Dec-17</a:t>
+              <a:t>07-Dec-17</a:t>
             </a:fld>
             <a:endParaRPr lang="en-US"/>
           </a:p>
@@ -3340,7 +3434,7 @@
           <a:p>
             <a:fld id="{71735FF9-0559-4A46-939B-25388D5ADC79}" type="datetimeFigureOut">
               <a:rPr lang="en-US" smtClean="0"/>
-              <a:t>06-Dec-17</a:t>
+              <a:t>07-Dec-17</a:t>
             </a:fld>
             <a:endParaRPr lang="en-US"/>
           </a:p>
@@ -4876,6 +4970,2728 @@
     <p:extLst>
       <p:ext uri="{BB962C8B-B14F-4D97-AF65-F5344CB8AC3E}">
         <p14:creationId xmlns:p14="http://schemas.microsoft.com/office/powerpoint/2010/main" val="1268582997"/>
+      </p:ext>
+    </p:extLst>
+  </p:cSld>
+  <p:clrMapOvr>
+    <a:masterClrMapping/>
+  </p:clrMapOvr>
+</p:sld>
+</file>
+
+<file path=ppt/slides/slide2.xml><?xml version="1.0" encoding="utf-8"?>
+<p:sld xmlns:a="http://schemas.openxmlformats.org/drawingml/2006/main" xmlns:r="http://schemas.openxmlformats.org/officeDocument/2006/relationships" xmlns:p="http://schemas.openxmlformats.org/presentationml/2006/main">
+  <p:cSld>
+    <p:spTree>
+      <p:nvGrpSpPr>
+        <p:cNvPr id="1" name=""/>
+        <p:cNvGrpSpPr/>
+        <p:nvPr/>
+      </p:nvGrpSpPr>
+      <p:grpSpPr>
+        <a:xfrm>
+          <a:off x="0" y="0"/>
+          <a:ext cx="0" cy="0"/>
+          <a:chOff x="0" y="0"/>
+          <a:chExt cx="0" cy="0"/>
+        </a:xfrm>
+      </p:grpSpPr>
+      <p:sp>
+        <p:nvSpPr>
+          <p:cNvPr id="62" name="Freeform: Shape 61">
+            <a:extLst>
+              <a:ext uri="{FF2B5EF4-FFF2-40B4-BE49-F238E27FC236}">
+                <a16:creationId xmlns:a16="http://schemas.microsoft.com/office/drawing/2014/main" id="{1B6280B7-0351-4AA4-8ED3-93AAF9BC6C7A}"/>
+              </a:ext>
+            </a:extLst>
+          </p:cNvPr>
+          <p:cNvSpPr/>
+          <p:nvPr/>
+        </p:nvSpPr>
+        <p:spPr>
+          <a:xfrm>
+            <a:off x="1027872" y="2541362"/>
+            <a:ext cx="9456276" cy="4202338"/>
+          </a:xfrm>
+          <a:custGeom>
+            <a:avLst/>
+            <a:gdLst>
+              <a:gd name="connsiteX0" fmla="*/ 4614704 w 9399496"/>
+              <a:gd name="connsiteY0" fmla="*/ 685799 h 5009030"/>
+              <a:gd name="connsiteX1" fmla="*/ 1705301 w 9399496"/>
+              <a:gd name="connsiteY1" fmla="*/ 2708136 h 5009030"/>
+              <a:gd name="connsiteX2" fmla="*/ 4614704 w 9399496"/>
+              <a:gd name="connsiteY2" fmla="*/ 4730473 h 5009030"/>
+              <a:gd name="connsiteX3" fmla="*/ 7524107 w 9399496"/>
+              <a:gd name="connsiteY3" fmla="*/ 2708136 h 5009030"/>
+              <a:gd name="connsiteX4" fmla="*/ 4614704 w 9399496"/>
+              <a:gd name="connsiteY4" fmla="*/ 685799 h 5009030"/>
+              <a:gd name="connsiteX5" fmla="*/ 4699748 w 9399496"/>
+              <a:gd name="connsiteY5" fmla="*/ 0 h 5009030"/>
+              <a:gd name="connsiteX6" fmla="*/ 9399496 w 9399496"/>
+              <a:gd name="connsiteY6" fmla="*/ 2504515 h 5009030"/>
+              <a:gd name="connsiteX7" fmla="*/ 4699748 w 9399496"/>
+              <a:gd name="connsiteY7" fmla="*/ 5009030 h 5009030"/>
+              <a:gd name="connsiteX8" fmla="*/ 0 w 9399496"/>
+              <a:gd name="connsiteY8" fmla="*/ 2504515 h 5009030"/>
+              <a:gd name="connsiteX9" fmla="*/ 4699748 w 9399496"/>
+              <a:gd name="connsiteY9" fmla="*/ 0 h 5009030"/>
+              <a:gd name="connsiteX0" fmla="*/ 4466786 w 9399496"/>
+              <a:gd name="connsiteY0" fmla="*/ 1008528 h 5009030"/>
+              <a:gd name="connsiteX1" fmla="*/ 1705301 w 9399496"/>
+              <a:gd name="connsiteY1" fmla="*/ 2708136 h 5009030"/>
+              <a:gd name="connsiteX2" fmla="*/ 4614704 w 9399496"/>
+              <a:gd name="connsiteY2" fmla="*/ 4730473 h 5009030"/>
+              <a:gd name="connsiteX3" fmla="*/ 7524107 w 9399496"/>
+              <a:gd name="connsiteY3" fmla="*/ 2708136 h 5009030"/>
+              <a:gd name="connsiteX4" fmla="*/ 4466786 w 9399496"/>
+              <a:gd name="connsiteY4" fmla="*/ 1008528 h 5009030"/>
+              <a:gd name="connsiteX5" fmla="*/ 4699748 w 9399496"/>
+              <a:gd name="connsiteY5" fmla="*/ 0 h 5009030"/>
+              <a:gd name="connsiteX6" fmla="*/ 9399496 w 9399496"/>
+              <a:gd name="connsiteY6" fmla="*/ 2504515 h 5009030"/>
+              <a:gd name="connsiteX7" fmla="*/ 4699748 w 9399496"/>
+              <a:gd name="connsiteY7" fmla="*/ 5009030 h 5009030"/>
+              <a:gd name="connsiteX8" fmla="*/ 0 w 9399496"/>
+              <a:gd name="connsiteY8" fmla="*/ 2504515 h 5009030"/>
+              <a:gd name="connsiteX9" fmla="*/ 4699748 w 9399496"/>
+              <a:gd name="connsiteY9" fmla="*/ 0 h 5009030"/>
+              <a:gd name="connsiteX0" fmla="*/ 4469537 w 9404412"/>
+              <a:gd name="connsiteY0" fmla="*/ 174811 h 4175313"/>
+              <a:gd name="connsiteX1" fmla="*/ 1708052 w 9404412"/>
+              <a:gd name="connsiteY1" fmla="*/ 1874419 h 4175313"/>
+              <a:gd name="connsiteX2" fmla="*/ 4617455 w 9404412"/>
+              <a:gd name="connsiteY2" fmla="*/ 3896756 h 4175313"/>
+              <a:gd name="connsiteX3" fmla="*/ 7526858 w 9404412"/>
+              <a:gd name="connsiteY3" fmla="*/ 1874419 h 4175313"/>
+              <a:gd name="connsiteX4" fmla="*/ 4469537 w 9404412"/>
+              <a:gd name="connsiteY4" fmla="*/ 174811 h 4175313"/>
+              <a:gd name="connsiteX5" fmla="*/ 4218405 w 9404412"/>
+              <a:gd name="connsiteY5" fmla="*/ 0 h 4175313"/>
+              <a:gd name="connsiteX6" fmla="*/ 9402247 w 9404412"/>
+              <a:gd name="connsiteY6" fmla="*/ 1670798 h 4175313"/>
+              <a:gd name="connsiteX7" fmla="*/ 4702499 w 9404412"/>
+              <a:gd name="connsiteY7" fmla="*/ 4175313 h 4175313"/>
+              <a:gd name="connsiteX8" fmla="*/ 2751 w 9404412"/>
+              <a:gd name="connsiteY8" fmla="*/ 1670798 h 4175313"/>
+              <a:gd name="connsiteX9" fmla="*/ 4218405 w 9404412"/>
+              <a:gd name="connsiteY9" fmla="*/ 0 h 4175313"/>
+              <a:gd name="connsiteX0" fmla="*/ 4521401 w 9456276"/>
+              <a:gd name="connsiteY0" fmla="*/ 201836 h 4202338"/>
+              <a:gd name="connsiteX1" fmla="*/ 1759916 w 9456276"/>
+              <a:gd name="connsiteY1" fmla="*/ 1901444 h 4202338"/>
+              <a:gd name="connsiteX2" fmla="*/ 4669319 w 9456276"/>
+              <a:gd name="connsiteY2" fmla="*/ 3923781 h 4202338"/>
+              <a:gd name="connsiteX3" fmla="*/ 7578722 w 9456276"/>
+              <a:gd name="connsiteY3" fmla="*/ 1901444 h 4202338"/>
+              <a:gd name="connsiteX4" fmla="*/ 4521401 w 9456276"/>
+              <a:gd name="connsiteY4" fmla="*/ 201836 h 4202338"/>
+              <a:gd name="connsiteX5" fmla="*/ 4270269 w 9456276"/>
+              <a:gd name="connsiteY5" fmla="*/ 27025 h 4202338"/>
+              <a:gd name="connsiteX6" fmla="*/ 9454111 w 9456276"/>
+              <a:gd name="connsiteY6" fmla="*/ 1697823 h 4202338"/>
+              <a:gd name="connsiteX7" fmla="*/ 4754363 w 9456276"/>
+              <a:gd name="connsiteY7" fmla="*/ 4202338 h 4202338"/>
+              <a:gd name="connsiteX8" fmla="*/ 54615 w 9456276"/>
+              <a:gd name="connsiteY8" fmla="*/ 1697823 h 4202338"/>
+              <a:gd name="connsiteX9" fmla="*/ 4270269 w 9456276"/>
+              <a:gd name="connsiteY9" fmla="*/ 27025 h 4202338"/>
+            </a:gdLst>
+            <a:ahLst/>
+            <a:cxnLst>
+              <a:cxn ang="0">
+                <a:pos x="connsiteX0" y="connsiteY0"/>
+              </a:cxn>
+              <a:cxn ang="0">
+                <a:pos x="connsiteX1" y="connsiteY1"/>
+              </a:cxn>
+              <a:cxn ang="0">
+                <a:pos x="connsiteX2" y="connsiteY2"/>
+              </a:cxn>
+              <a:cxn ang="0">
+                <a:pos x="connsiteX3" y="connsiteY3"/>
+              </a:cxn>
+              <a:cxn ang="0">
+                <a:pos x="connsiteX4" y="connsiteY4"/>
+              </a:cxn>
+              <a:cxn ang="0">
+                <a:pos x="connsiteX5" y="connsiteY5"/>
+              </a:cxn>
+              <a:cxn ang="0">
+                <a:pos x="connsiteX6" y="connsiteY6"/>
+              </a:cxn>
+              <a:cxn ang="0">
+                <a:pos x="connsiteX7" y="connsiteY7"/>
+              </a:cxn>
+              <a:cxn ang="0">
+                <a:pos x="connsiteX8" y="connsiteY8"/>
+              </a:cxn>
+              <a:cxn ang="0">
+                <a:pos x="connsiteX9" y="connsiteY9"/>
+              </a:cxn>
+            </a:cxnLst>
+            <a:rect l="l" t="t" r="r" b="b"/>
+            <a:pathLst>
+              <a:path w="9456276" h="4202338">
+                <a:moveTo>
+                  <a:pt x="4521401" y="201836"/>
+                </a:moveTo>
+                <a:cubicBezTo>
+                  <a:pt x="2914582" y="201836"/>
+                  <a:pt x="1735263" y="1281120"/>
+                  <a:pt x="1759916" y="1901444"/>
+                </a:cubicBezTo>
+                <a:cubicBezTo>
+                  <a:pt x="1784569" y="2521768"/>
+                  <a:pt x="3062500" y="3923781"/>
+                  <a:pt x="4669319" y="3923781"/>
+                </a:cubicBezTo>
+                <a:cubicBezTo>
+                  <a:pt x="6276138" y="3923781"/>
+                  <a:pt x="7603375" y="2521768"/>
+                  <a:pt x="7578722" y="1901444"/>
+                </a:cubicBezTo>
+                <a:cubicBezTo>
+                  <a:pt x="7554069" y="1281120"/>
+                  <a:pt x="6128220" y="201836"/>
+                  <a:pt x="4521401" y="201836"/>
+                </a:cubicBezTo>
+                <a:close/>
+                <a:moveTo>
+                  <a:pt x="4270269" y="27025"/>
+                </a:moveTo>
+                <a:cubicBezTo>
+                  <a:pt x="9077909" y="-194852"/>
+                  <a:pt x="9373429" y="1001938"/>
+                  <a:pt x="9454111" y="1697823"/>
+                </a:cubicBezTo>
+                <a:cubicBezTo>
+                  <a:pt x="9534793" y="2393708"/>
+                  <a:pt x="7349962" y="4202338"/>
+                  <a:pt x="4754363" y="4202338"/>
+                </a:cubicBezTo>
+                <a:cubicBezTo>
+                  <a:pt x="2158764" y="4202338"/>
+                  <a:pt x="135297" y="2393708"/>
+                  <a:pt x="54615" y="1697823"/>
+                </a:cubicBezTo>
+                <a:cubicBezTo>
+                  <a:pt x="-26067" y="1001938"/>
+                  <a:pt x="-537371" y="248902"/>
+                  <a:pt x="4270269" y="27025"/>
+                </a:cubicBezTo>
+                <a:close/>
+              </a:path>
+            </a:pathLst>
+          </a:custGeom>
+          <a:solidFill>
+            <a:schemeClr val="bg1">
+              <a:lumMod val="85000"/>
+            </a:schemeClr>
+          </a:solidFill>
+        </p:spPr>
+        <p:style>
+          <a:lnRef idx="2">
+            <a:schemeClr val="dk1"/>
+          </a:lnRef>
+          <a:fillRef idx="1">
+            <a:schemeClr val="lt1"/>
+          </a:fillRef>
+          <a:effectRef idx="0">
+            <a:schemeClr val="dk1"/>
+          </a:effectRef>
+          <a:fontRef idx="minor">
+            <a:schemeClr val="dk1"/>
+          </a:fontRef>
+        </p:style>
+        <p:txBody>
+          <a:bodyPr rtlCol="0" anchor="t"/>
+          <a:lstStyle/>
+          <a:p>
+            <a:pPr algn="ctr"/>
+            <a:endParaRPr lang="en-US">
+              <a:solidFill>
+                <a:schemeClr val="dk1"/>
+              </a:solidFill>
+            </a:endParaRPr>
+          </a:p>
+        </p:txBody>
+      </p:sp>
+      <p:sp>
+        <p:nvSpPr>
+          <p:cNvPr id="59" name="Oval 58">
+            <a:extLst>
+              <a:ext uri="{FF2B5EF4-FFF2-40B4-BE49-F238E27FC236}">
+                <a16:creationId xmlns:a16="http://schemas.microsoft.com/office/drawing/2014/main" id="{680873A3-E61B-4430-A4F8-80D75924D589}"/>
+              </a:ext>
+            </a:extLst>
+          </p:cNvPr>
+          <p:cNvSpPr/>
+          <p:nvPr/>
+        </p:nvSpPr>
+        <p:spPr>
+          <a:xfrm>
+            <a:off x="3255680" y="2920894"/>
+            <a:ext cx="4709464" cy="3083219"/>
+          </a:xfrm>
+          <a:custGeom>
+            <a:avLst/>
+            <a:gdLst>
+              <a:gd name="connsiteX0" fmla="*/ 0 w 4709186"/>
+              <a:gd name="connsiteY0" fmla="*/ 1723145 h 3446289"/>
+              <a:gd name="connsiteX1" fmla="*/ 2354593 w 4709186"/>
+              <a:gd name="connsiteY1" fmla="*/ 0 h 3446289"/>
+              <a:gd name="connsiteX2" fmla="*/ 4709186 w 4709186"/>
+              <a:gd name="connsiteY2" fmla="*/ 1723145 h 3446289"/>
+              <a:gd name="connsiteX3" fmla="*/ 2354593 w 4709186"/>
+              <a:gd name="connsiteY3" fmla="*/ 3446290 h 3446289"/>
+              <a:gd name="connsiteX4" fmla="*/ 0 w 4709186"/>
+              <a:gd name="connsiteY4" fmla="*/ 1723145 h 3446289"/>
+              <a:gd name="connsiteX0" fmla="*/ 278 w 4709464"/>
+              <a:gd name="connsiteY0" fmla="*/ 1360074 h 3083219"/>
+              <a:gd name="connsiteX1" fmla="*/ 2240571 w 4709464"/>
+              <a:gd name="connsiteY1" fmla="*/ 0 h 3083219"/>
+              <a:gd name="connsiteX2" fmla="*/ 4709464 w 4709464"/>
+              <a:gd name="connsiteY2" fmla="*/ 1360074 h 3083219"/>
+              <a:gd name="connsiteX3" fmla="*/ 2354871 w 4709464"/>
+              <a:gd name="connsiteY3" fmla="*/ 3083219 h 3083219"/>
+              <a:gd name="connsiteX4" fmla="*/ 278 w 4709464"/>
+              <a:gd name="connsiteY4" fmla="*/ 1360074 h 3083219"/>
+            </a:gdLst>
+            <a:ahLst/>
+            <a:cxnLst>
+              <a:cxn ang="0">
+                <a:pos x="connsiteX0" y="connsiteY0"/>
+              </a:cxn>
+              <a:cxn ang="0">
+                <a:pos x="connsiteX1" y="connsiteY1"/>
+              </a:cxn>
+              <a:cxn ang="0">
+                <a:pos x="connsiteX2" y="connsiteY2"/>
+              </a:cxn>
+              <a:cxn ang="0">
+                <a:pos x="connsiteX3" y="connsiteY3"/>
+              </a:cxn>
+              <a:cxn ang="0">
+                <a:pos x="connsiteX4" y="connsiteY4"/>
+              </a:cxn>
+            </a:cxnLst>
+            <a:rect l="l" t="t" r="r" b="b"/>
+            <a:pathLst>
+              <a:path w="4709464" h="3083219">
+                <a:moveTo>
+                  <a:pt x="278" y="1360074"/>
+                </a:moveTo>
+                <a:cubicBezTo>
+                  <a:pt x="-18772" y="846204"/>
+                  <a:pt x="940165" y="0"/>
+                  <a:pt x="2240571" y="0"/>
+                </a:cubicBezTo>
+                <a:cubicBezTo>
+                  <a:pt x="3540977" y="0"/>
+                  <a:pt x="4709464" y="408407"/>
+                  <a:pt x="4709464" y="1360074"/>
+                </a:cubicBezTo>
+                <a:cubicBezTo>
+                  <a:pt x="4709464" y="2311741"/>
+                  <a:pt x="3655277" y="3083219"/>
+                  <a:pt x="2354871" y="3083219"/>
+                </a:cubicBezTo>
+                <a:cubicBezTo>
+                  <a:pt x="1054465" y="3083219"/>
+                  <a:pt x="19328" y="1873944"/>
+                  <a:pt x="278" y="1360074"/>
+                </a:cubicBezTo>
+                <a:close/>
+              </a:path>
+            </a:pathLst>
+          </a:custGeom>
+          <a:solidFill>
+            <a:schemeClr val="bg1">
+              <a:lumMod val="85000"/>
+            </a:schemeClr>
+          </a:solidFill>
+        </p:spPr>
+        <p:style>
+          <a:lnRef idx="2">
+            <a:schemeClr val="dk1"/>
+          </a:lnRef>
+          <a:fillRef idx="1">
+            <a:schemeClr val="lt1"/>
+          </a:fillRef>
+          <a:effectRef idx="0">
+            <a:schemeClr val="dk1"/>
+          </a:effectRef>
+          <a:fontRef idx="minor">
+            <a:schemeClr val="dk1"/>
+          </a:fontRef>
+        </p:style>
+        <p:txBody>
+          <a:bodyPr rtlCol="0" anchor="t"/>
+          <a:lstStyle/>
+          <a:p>
+            <a:pPr algn="ctr"/>
+            <a:endParaRPr lang="en-US">
+              <a:solidFill>
+                <a:schemeClr val="dk1"/>
+              </a:solidFill>
+            </a:endParaRPr>
+          </a:p>
+        </p:txBody>
+      </p:sp>
+      <p:sp>
+        <p:nvSpPr>
+          <p:cNvPr id="64" name="Rectangle 63">
+            <a:extLst>
+              <a:ext uri="{FF2B5EF4-FFF2-40B4-BE49-F238E27FC236}">
+                <a16:creationId xmlns:a16="http://schemas.microsoft.com/office/drawing/2014/main" id="{4820E810-B72E-4C51-A344-6CFEBFB313D7}"/>
+              </a:ext>
+            </a:extLst>
+          </p:cNvPr>
+          <p:cNvSpPr/>
+          <p:nvPr/>
+        </p:nvSpPr>
+        <p:spPr>
+          <a:xfrm>
+            <a:off x="6231078" y="3054562"/>
+            <a:ext cx="4774395" cy="1220503"/>
+          </a:xfrm>
+          <a:prstGeom prst="rect">
+            <a:avLst/>
+          </a:prstGeom>
+          <a:solidFill>
+            <a:schemeClr val="tx1">
+              <a:lumMod val="65000"/>
+              <a:lumOff val="35000"/>
+              <a:alpha val="44000"/>
+            </a:schemeClr>
+          </a:solidFill>
+        </p:spPr>
+        <p:style>
+          <a:lnRef idx="2">
+            <a:schemeClr val="dk1"/>
+          </a:lnRef>
+          <a:fillRef idx="1">
+            <a:schemeClr val="lt1"/>
+          </a:fillRef>
+          <a:effectRef idx="0">
+            <a:schemeClr val="dk1"/>
+          </a:effectRef>
+          <a:fontRef idx="minor">
+            <a:schemeClr val="dk1"/>
+          </a:fontRef>
+        </p:style>
+        <p:txBody>
+          <a:bodyPr rot="0" spcFirstLastPara="0" vertOverflow="overflow" horzOverflow="overflow" vert="horz" wrap="square" lIns="91440" tIns="45720" rIns="91440" bIns="45720" numCol="1" spcCol="0" rtlCol="0" fromWordArt="0" anchor="t" anchorCtr="0" forceAA="0" compatLnSpc="1">
+            <a:prstTxWarp prst="textNoShape">
+              <a:avLst/>
+            </a:prstTxWarp>
+            <a:noAutofit/>
+          </a:bodyPr>
+          <a:lstStyle/>
+          <a:p>
+            <a:pPr algn="ctr"/>
+            <a:endParaRPr lang="en-US" dirty="0">
+              <a:solidFill>
+                <a:schemeClr val="dk1"/>
+              </a:solidFill>
+            </a:endParaRPr>
+          </a:p>
+        </p:txBody>
+      </p:sp>
+      <p:sp>
+        <p:nvSpPr>
+          <p:cNvPr id="65" name="Rectangle 64">
+            <a:extLst>
+              <a:ext uri="{FF2B5EF4-FFF2-40B4-BE49-F238E27FC236}">
+                <a16:creationId xmlns:a16="http://schemas.microsoft.com/office/drawing/2014/main" id="{F9439872-05D3-4D49-B9BB-975266ECBA78}"/>
+              </a:ext>
+            </a:extLst>
+          </p:cNvPr>
+          <p:cNvSpPr/>
+          <p:nvPr/>
+        </p:nvSpPr>
+        <p:spPr>
+          <a:xfrm>
+            <a:off x="6152029" y="4612435"/>
+            <a:ext cx="4901453" cy="1150939"/>
+          </a:xfrm>
+          <a:prstGeom prst="rect">
+            <a:avLst/>
+          </a:prstGeom>
+          <a:solidFill>
+            <a:schemeClr val="tx1">
+              <a:lumMod val="65000"/>
+              <a:lumOff val="35000"/>
+              <a:alpha val="44000"/>
+            </a:schemeClr>
+          </a:solidFill>
+        </p:spPr>
+        <p:style>
+          <a:lnRef idx="2">
+            <a:schemeClr val="dk1"/>
+          </a:lnRef>
+          <a:fillRef idx="1">
+            <a:schemeClr val="lt1"/>
+          </a:fillRef>
+          <a:effectRef idx="0">
+            <a:schemeClr val="dk1"/>
+          </a:effectRef>
+          <a:fontRef idx="minor">
+            <a:schemeClr val="dk1"/>
+          </a:fontRef>
+        </p:style>
+        <p:txBody>
+          <a:bodyPr rot="0" spcFirstLastPara="0" vertOverflow="overflow" horzOverflow="overflow" vert="horz" wrap="square" lIns="91440" tIns="45720" rIns="91440" bIns="45720" numCol="1" spcCol="0" rtlCol="0" fromWordArt="0" anchor="t" anchorCtr="0" forceAA="0" compatLnSpc="1">
+            <a:prstTxWarp prst="textNoShape">
+              <a:avLst/>
+            </a:prstTxWarp>
+            <a:noAutofit/>
+          </a:bodyPr>
+          <a:lstStyle/>
+          <a:p>
+            <a:pPr algn="ctr"/>
+            <a:endParaRPr lang="en-US">
+              <a:solidFill>
+                <a:schemeClr val="dk1"/>
+              </a:solidFill>
+            </a:endParaRPr>
+          </a:p>
+        </p:txBody>
+      </p:sp>
+      <p:sp>
+        <p:nvSpPr>
+          <p:cNvPr id="66" name="Rectangle 65">
+            <a:extLst>
+              <a:ext uri="{FF2B5EF4-FFF2-40B4-BE49-F238E27FC236}">
+                <a16:creationId xmlns:a16="http://schemas.microsoft.com/office/drawing/2014/main" id="{B9D0AEAD-10AE-4357-90FA-6A9A1D58E48D}"/>
+              </a:ext>
+            </a:extLst>
+          </p:cNvPr>
+          <p:cNvSpPr/>
+          <p:nvPr/>
+        </p:nvSpPr>
+        <p:spPr>
+          <a:xfrm>
+            <a:off x="673587" y="3495738"/>
+            <a:ext cx="4241160" cy="1630247"/>
+          </a:xfrm>
+          <a:prstGeom prst="rect">
+            <a:avLst/>
+          </a:prstGeom>
+          <a:solidFill>
+            <a:schemeClr val="tx1">
+              <a:lumMod val="65000"/>
+              <a:lumOff val="35000"/>
+              <a:alpha val="44000"/>
+            </a:schemeClr>
+          </a:solidFill>
+        </p:spPr>
+        <p:style>
+          <a:lnRef idx="2">
+            <a:schemeClr val="dk1"/>
+          </a:lnRef>
+          <a:fillRef idx="1">
+            <a:schemeClr val="lt1"/>
+          </a:fillRef>
+          <a:effectRef idx="0">
+            <a:schemeClr val="dk1"/>
+          </a:effectRef>
+          <a:fontRef idx="minor">
+            <a:schemeClr val="dk1"/>
+          </a:fontRef>
+        </p:style>
+        <p:txBody>
+          <a:bodyPr rot="0" spcFirstLastPara="0" vertOverflow="overflow" horzOverflow="overflow" vert="horz" wrap="square" lIns="91440" tIns="45720" rIns="91440" bIns="45720" numCol="1" spcCol="0" rtlCol="0" fromWordArt="0" anchor="t" anchorCtr="0" forceAA="0" compatLnSpc="1">
+            <a:prstTxWarp prst="textNoShape">
+              <a:avLst/>
+            </a:prstTxWarp>
+            <a:noAutofit/>
+          </a:bodyPr>
+          <a:lstStyle/>
+          <a:p>
+            <a:pPr algn="ctr"/>
+            <a:endParaRPr lang="en-US">
+              <a:solidFill>
+                <a:schemeClr val="dk1"/>
+              </a:solidFill>
+            </a:endParaRPr>
+          </a:p>
+        </p:txBody>
+      </p:sp>
+      <p:grpSp>
+        <p:nvGrpSpPr>
+          <p:cNvPr id="37" name="Group 36">
+            <a:extLst>
+              <a:ext uri="{FF2B5EF4-FFF2-40B4-BE49-F238E27FC236}">
+                <a16:creationId xmlns:a16="http://schemas.microsoft.com/office/drawing/2014/main" id="{5C3E1F7D-E5DE-4FEA-9D2F-DB26B987C131}"/>
+              </a:ext>
+            </a:extLst>
+          </p:cNvPr>
+          <p:cNvGrpSpPr/>
+          <p:nvPr/>
+        </p:nvGrpSpPr>
+        <p:grpSpPr>
+          <a:xfrm>
+            <a:off x="4996664" y="968194"/>
+            <a:ext cx="1383402" cy="1260680"/>
+            <a:chOff x="4691974" y="100365"/>
+            <a:chExt cx="1383402" cy="1260680"/>
+          </a:xfrm>
+        </p:grpSpPr>
+        <p:sp>
+          <p:nvSpPr>
+            <p:cNvPr id="2" name="Rectangle 1">
+              <a:extLst>
+                <a:ext uri="{FF2B5EF4-FFF2-40B4-BE49-F238E27FC236}">
+                  <a16:creationId xmlns:a16="http://schemas.microsoft.com/office/drawing/2014/main" id="{1059CB58-92E9-4E0D-BD99-DAE1BECF462F}"/>
+                </a:ext>
+              </a:extLst>
+            </p:cNvPr>
+            <p:cNvSpPr/>
+            <p:nvPr/>
+          </p:nvSpPr>
+          <p:spPr>
+            <a:xfrm>
+              <a:off x="4691974" y="100365"/>
+              <a:ext cx="1383402" cy="1260680"/>
+            </a:xfrm>
+            <a:prstGeom prst="rect">
+              <a:avLst/>
+            </a:prstGeom>
+            <a:solidFill>
+              <a:schemeClr val="bg1">
+                <a:lumMod val="85000"/>
+              </a:schemeClr>
+            </a:solidFill>
+          </p:spPr>
+          <p:style>
+            <a:lnRef idx="2">
+              <a:schemeClr val="dk1"/>
+            </a:lnRef>
+            <a:fillRef idx="1">
+              <a:schemeClr val="lt1"/>
+            </a:fillRef>
+            <a:effectRef idx="0">
+              <a:schemeClr val="dk1"/>
+            </a:effectRef>
+            <a:fontRef idx="minor">
+              <a:schemeClr val="dk1"/>
+            </a:fontRef>
+          </p:style>
+          <p:txBody>
+            <a:bodyPr rtlCol="0" anchor="t"/>
+            <a:lstStyle/>
+            <a:p>
+              <a:pPr algn="ctr"/>
+              <a:r>
+                <a:rPr lang="en-US" dirty="0"/>
+                <a:t>On-</a:t>
+              </a:r>
+              <a:r>
+                <a:rPr lang="en-US" dirty="0" err="1"/>
+                <a:t>prem</a:t>
+              </a:r>
+              <a:endParaRPr lang="en-US" dirty="0"/>
+            </a:p>
+          </p:txBody>
+        </p:sp>
+        <p:sp>
+          <p:nvSpPr>
+            <p:cNvPr id="3" name="Rectangle: Folded Corner 2">
+              <a:extLst>
+                <a:ext uri="{FF2B5EF4-FFF2-40B4-BE49-F238E27FC236}">
+                  <a16:creationId xmlns:a16="http://schemas.microsoft.com/office/drawing/2014/main" id="{AA628477-5879-4D50-BDE2-13B557463148}"/>
+                </a:ext>
+              </a:extLst>
+            </p:cNvPr>
+            <p:cNvSpPr/>
+            <p:nvPr/>
+          </p:nvSpPr>
+          <p:spPr>
+            <a:xfrm>
+              <a:off x="4970018" y="509152"/>
+              <a:ext cx="827314" cy="683623"/>
+            </a:xfrm>
+            <a:prstGeom prst="foldedCorner">
+              <a:avLst/>
+            </a:prstGeom>
+            <a:solidFill>
+              <a:schemeClr val="bg1">
+                <a:lumMod val="75000"/>
+              </a:schemeClr>
+            </a:solidFill>
+          </p:spPr>
+          <p:style>
+            <a:lnRef idx="2">
+              <a:schemeClr val="dk1"/>
+            </a:lnRef>
+            <a:fillRef idx="1">
+              <a:schemeClr val="lt1"/>
+            </a:fillRef>
+            <a:effectRef idx="0">
+              <a:schemeClr val="dk1"/>
+            </a:effectRef>
+            <a:fontRef idx="minor">
+              <a:schemeClr val="dk1"/>
+            </a:fontRef>
+          </p:style>
+          <p:txBody>
+            <a:bodyPr rtlCol="0" anchor="ctr"/>
+            <a:lstStyle/>
+            <a:p>
+              <a:pPr algn="ctr"/>
+              <a:r>
+                <a:rPr lang="en-US"/>
+                <a:t>VHD</a:t>
+              </a:r>
+            </a:p>
+          </p:txBody>
+        </p:sp>
+      </p:grpSp>
+      <p:sp>
+        <p:nvSpPr>
+          <p:cNvPr id="4" name="Oval 3">
+            <a:extLst>
+              <a:ext uri="{FF2B5EF4-FFF2-40B4-BE49-F238E27FC236}">
+                <a16:creationId xmlns:a16="http://schemas.microsoft.com/office/drawing/2014/main" id="{2FAE91AD-F530-47F7-9EC9-8CA724EDD8AE}"/>
+              </a:ext>
+            </a:extLst>
+          </p:cNvPr>
+          <p:cNvSpPr/>
+          <p:nvPr/>
+        </p:nvSpPr>
+        <p:spPr>
+          <a:xfrm>
+            <a:off x="4897697" y="3828429"/>
+            <a:ext cx="1305426" cy="1014204"/>
+          </a:xfrm>
+          <a:prstGeom prst="ellipse">
+            <a:avLst/>
+          </a:prstGeom>
+        </p:spPr>
+        <p:style>
+          <a:lnRef idx="2">
+            <a:schemeClr val="dk1"/>
+          </a:lnRef>
+          <a:fillRef idx="1">
+            <a:schemeClr val="lt1"/>
+          </a:fillRef>
+          <a:effectRef idx="0">
+            <a:schemeClr val="dk1"/>
+          </a:effectRef>
+          <a:fontRef idx="minor">
+            <a:schemeClr val="dk1"/>
+          </a:fontRef>
+        </p:style>
+        <p:txBody>
+          <a:bodyPr rtlCol="0" anchor="t"/>
+          <a:lstStyle/>
+          <a:p>
+            <a:endParaRPr lang="en-US" b="1" dirty="0">
+              <a:solidFill>
+                <a:schemeClr val="dk1"/>
+              </a:solidFill>
+            </a:endParaRPr>
+          </a:p>
+        </p:txBody>
+      </p:sp>
+      <p:sp>
+        <p:nvSpPr>
+          <p:cNvPr id="6" name="Rectangle: Folded Corner 5">
+            <a:extLst>
+              <a:ext uri="{FF2B5EF4-FFF2-40B4-BE49-F238E27FC236}">
+                <a16:creationId xmlns:a16="http://schemas.microsoft.com/office/drawing/2014/main" id="{4B850E51-CCFC-41DE-820E-6AB5222622E7}"/>
+              </a:ext>
+            </a:extLst>
+          </p:cNvPr>
+          <p:cNvSpPr/>
+          <p:nvPr/>
+        </p:nvSpPr>
+        <p:spPr>
+          <a:xfrm>
+            <a:off x="5131317" y="4124018"/>
+            <a:ext cx="836537" cy="423025"/>
+          </a:xfrm>
+          <a:prstGeom prst="foldedCorner">
+            <a:avLst/>
+          </a:prstGeom>
+          <a:solidFill>
+            <a:schemeClr val="bg1">
+              <a:lumMod val="75000"/>
+            </a:schemeClr>
+          </a:solidFill>
+        </p:spPr>
+        <p:style>
+          <a:lnRef idx="2">
+            <a:schemeClr val="dk1"/>
+          </a:lnRef>
+          <a:fillRef idx="1">
+            <a:schemeClr val="lt1"/>
+          </a:fillRef>
+          <a:effectRef idx="0">
+            <a:schemeClr val="dk1"/>
+          </a:effectRef>
+          <a:fontRef idx="minor">
+            <a:schemeClr val="dk1"/>
+          </a:fontRef>
+        </p:style>
+        <p:txBody>
+          <a:bodyPr rtlCol="0" anchor="ctr"/>
+          <a:lstStyle/>
+          <a:p>
+            <a:pPr algn="ctr"/>
+            <a:r>
+              <a:rPr lang="de-DE" sz="1200" dirty="0"/>
+              <a:t>VHD</a:t>
+            </a:r>
+          </a:p>
+          <a:p>
+            <a:pPr algn="ctr"/>
+            <a:r>
+              <a:rPr lang="de-DE" sz="1200" dirty="0"/>
+              <a:t>Page </a:t>
+            </a:r>
+            <a:r>
+              <a:rPr lang="de-DE" sz="1200" dirty="0" err="1"/>
+              <a:t>blob</a:t>
+            </a:r>
+            <a:endParaRPr lang="en-US" sz="1200" dirty="0"/>
+          </a:p>
+        </p:txBody>
+      </p:sp>
+      <p:sp>
+        <p:nvSpPr>
+          <p:cNvPr id="7" name="TextBox 6">
+            <a:extLst>
+              <a:ext uri="{FF2B5EF4-FFF2-40B4-BE49-F238E27FC236}">
+                <a16:creationId xmlns:a16="http://schemas.microsoft.com/office/drawing/2014/main" id="{80F73550-A701-4341-AED7-E9132C2F637F}"/>
+              </a:ext>
+            </a:extLst>
+          </p:cNvPr>
+          <p:cNvSpPr txBox="1"/>
+          <p:nvPr/>
+        </p:nvSpPr>
+        <p:spPr>
+          <a:xfrm>
+            <a:off x="5118347" y="4582057"/>
+            <a:ext cx="854722" cy="230832"/>
+          </a:xfrm>
+          <a:prstGeom prst="rect">
+            <a:avLst/>
+          </a:prstGeom>
+          <a:noFill/>
+        </p:spPr>
+        <p:txBody>
+          <a:bodyPr wrap="none" rtlCol="0">
+            <a:spAutoFit/>
+          </a:bodyPr>
+          <a:lstStyle/>
+          <a:p>
+            <a:pPr algn="ctr"/>
+            <a:r>
+              <a:rPr lang="en-US" sz="900" dirty="0"/>
+              <a:t>Ingest Storage</a:t>
+            </a:r>
+          </a:p>
+        </p:txBody>
+      </p:sp>
+      <p:grpSp>
+        <p:nvGrpSpPr>
+          <p:cNvPr id="33" name="Group 32">
+            <a:extLst>
+              <a:ext uri="{FF2B5EF4-FFF2-40B4-BE49-F238E27FC236}">
+                <a16:creationId xmlns:a16="http://schemas.microsoft.com/office/drawing/2014/main" id="{EF0A297B-220C-4465-A411-0F35B92FBE9B}"/>
+              </a:ext>
+            </a:extLst>
+          </p:cNvPr>
+          <p:cNvGrpSpPr/>
+          <p:nvPr/>
+        </p:nvGrpSpPr>
+        <p:grpSpPr>
+          <a:xfrm>
+            <a:off x="6309858" y="3193375"/>
+            <a:ext cx="1305426" cy="1014204"/>
+            <a:chOff x="6474996" y="1271338"/>
+            <a:chExt cx="1305426" cy="1014204"/>
+          </a:xfrm>
+        </p:grpSpPr>
+        <p:sp>
+          <p:nvSpPr>
+            <p:cNvPr id="9" name="Oval 8">
+              <a:extLst>
+                <a:ext uri="{FF2B5EF4-FFF2-40B4-BE49-F238E27FC236}">
+                  <a16:creationId xmlns:a16="http://schemas.microsoft.com/office/drawing/2014/main" id="{1FCF8843-B842-4A25-A42C-E06CD36B3937}"/>
+                </a:ext>
+              </a:extLst>
+            </p:cNvPr>
+            <p:cNvSpPr/>
+            <p:nvPr/>
+          </p:nvSpPr>
+          <p:spPr>
+            <a:xfrm>
+              <a:off x="6474996" y="1271338"/>
+              <a:ext cx="1305426" cy="1014204"/>
+            </a:xfrm>
+            <a:prstGeom prst="ellipse">
+              <a:avLst/>
+            </a:prstGeom>
+          </p:spPr>
+          <p:style>
+            <a:lnRef idx="2">
+              <a:schemeClr val="dk1"/>
+            </a:lnRef>
+            <a:fillRef idx="1">
+              <a:schemeClr val="lt1"/>
+            </a:fillRef>
+            <a:effectRef idx="0">
+              <a:schemeClr val="dk1"/>
+            </a:effectRef>
+            <a:fontRef idx="minor">
+              <a:schemeClr val="dk1"/>
+            </a:fontRef>
+          </p:style>
+          <p:txBody>
+            <a:bodyPr rtlCol="0" anchor="t"/>
+            <a:lstStyle/>
+            <a:p>
+              <a:endParaRPr lang="en-US" b="1" dirty="0">
+                <a:solidFill>
+                  <a:schemeClr val="dk1"/>
+                </a:solidFill>
+              </a:endParaRPr>
+            </a:p>
+          </p:txBody>
+        </p:sp>
+        <p:sp>
+          <p:nvSpPr>
+            <p:cNvPr id="10" name="Rectangle: Folded Corner 9">
+              <a:extLst>
+                <a:ext uri="{FF2B5EF4-FFF2-40B4-BE49-F238E27FC236}">
+                  <a16:creationId xmlns:a16="http://schemas.microsoft.com/office/drawing/2014/main" id="{78CBDE21-9C95-4F57-8DC8-3D35993338AA}"/>
+                </a:ext>
+              </a:extLst>
+            </p:cNvPr>
+            <p:cNvSpPr/>
+            <p:nvPr/>
+          </p:nvSpPr>
+          <p:spPr>
+            <a:xfrm>
+              <a:off x="6727315" y="1660601"/>
+              <a:ext cx="836537" cy="423025"/>
+            </a:xfrm>
+            <a:prstGeom prst="foldedCorner">
+              <a:avLst/>
+            </a:prstGeom>
+            <a:solidFill>
+              <a:schemeClr val="bg1">
+                <a:lumMod val="75000"/>
+              </a:schemeClr>
+            </a:solidFill>
+          </p:spPr>
+          <p:style>
+            <a:lnRef idx="2">
+              <a:schemeClr val="dk1"/>
+            </a:lnRef>
+            <a:fillRef idx="1">
+              <a:schemeClr val="lt1"/>
+            </a:fillRef>
+            <a:effectRef idx="0">
+              <a:schemeClr val="dk1"/>
+            </a:effectRef>
+            <a:fontRef idx="minor">
+              <a:schemeClr val="dk1"/>
+            </a:fontRef>
+          </p:style>
+          <p:txBody>
+            <a:bodyPr rtlCol="0" anchor="ctr"/>
+            <a:lstStyle/>
+            <a:p>
+              <a:pPr algn="ctr"/>
+              <a:r>
+                <a:rPr lang="de-DE" sz="1200" dirty="0"/>
+                <a:t>VHD</a:t>
+              </a:r>
+            </a:p>
+            <a:p>
+              <a:pPr algn="ctr"/>
+              <a:r>
+                <a:rPr lang="de-DE" sz="1200" dirty="0"/>
+                <a:t>Page </a:t>
+              </a:r>
+              <a:r>
+                <a:rPr lang="de-DE" sz="1200" dirty="0" err="1"/>
+                <a:t>blob</a:t>
+              </a:r>
+              <a:endParaRPr lang="en-US" sz="1200" dirty="0"/>
+            </a:p>
+          </p:txBody>
+        </p:sp>
+        <p:sp>
+          <p:nvSpPr>
+            <p:cNvPr id="11" name="TextBox 10">
+              <a:extLst>
+                <a:ext uri="{FF2B5EF4-FFF2-40B4-BE49-F238E27FC236}">
+                  <a16:creationId xmlns:a16="http://schemas.microsoft.com/office/drawing/2014/main" id="{50A8DBF9-E8DC-4086-ACD8-7211B8B4AB07}"/>
+                </a:ext>
+              </a:extLst>
+            </p:cNvPr>
+            <p:cNvSpPr txBox="1"/>
+            <p:nvPr/>
+          </p:nvSpPr>
+          <p:spPr>
+            <a:xfrm>
+              <a:off x="6700348" y="1315261"/>
+              <a:ext cx="854721" cy="369332"/>
+            </a:xfrm>
+            <a:prstGeom prst="rect">
+              <a:avLst/>
+            </a:prstGeom>
+            <a:noFill/>
+          </p:spPr>
+          <p:txBody>
+            <a:bodyPr wrap="none" rtlCol="0">
+              <a:spAutoFit/>
+            </a:bodyPr>
+            <a:lstStyle/>
+            <a:p>
+              <a:pPr algn="ctr"/>
+              <a:r>
+                <a:rPr lang="en-US" sz="900" dirty="0" err="1"/>
+                <a:t>Mgmt</a:t>
+              </a:r>
+              <a:r>
+                <a:rPr lang="en-US" sz="900" dirty="0"/>
+                <a:t> Storage</a:t>
+              </a:r>
+            </a:p>
+            <a:p>
+              <a:pPr algn="ctr"/>
+              <a:r>
+                <a:rPr lang="de-DE" sz="900" dirty="0"/>
+                <a:t>E</a:t>
+              </a:r>
+              <a:r>
+                <a:rPr lang="en-US" sz="900" dirty="0"/>
+                <a:t>U North</a:t>
+              </a:r>
+            </a:p>
+          </p:txBody>
+        </p:sp>
+      </p:grpSp>
+      <p:grpSp>
+        <p:nvGrpSpPr>
+          <p:cNvPr id="32" name="Group 31">
+            <a:extLst>
+              <a:ext uri="{FF2B5EF4-FFF2-40B4-BE49-F238E27FC236}">
+                <a16:creationId xmlns:a16="http://schemas.microsoft.com/office/drawing/2014/main" id="{0011AFFD-D245-4CC0-85F1-3BBA5B2A172F}"/>
+              </a:ext>
+            </a:extLst>
+          </p:cNvPr>
+          <p:cNvGrpSpPr/>
+          <p:nvPr/>
+        </p:nvGrpSpPr>
+        <p:grpSpPr>
+          <a:xfrm>
+            <a:off x="6234558" y="4640717"/>
+            <a:ext cx="1305426" cy="1014204"/>
+            <a:chOff x="6671225" y="3240506"/>
+            <a:chExt cx="1305426" cy="1014204"/>
+          </a:xfrm>
+        </p:grpSpPr>
+        <p:sp>
+          <p:nvSpPr>
+            <p:cNvPr id="12" name="Oval 11">
+              <a:extLst>
+                <a:ext uri="{FF2B5EF4-FFF2-40B4-BE49-F238E27FC236}">
+                  <a16:creationId xmlns:a16="http://schemas.microsoft.com/office/drawing/2014/main" id="{85428DB0-70A2-472C-B992-C0ED89C33536}"/>
+                </a:ext>
+              </a:extLst>
+            </p:cNvPr>
+            <p:cNvSpPr/>
+            <p:nvPr/>
+          </p:nvSpPr>
+          <p:spPr>
+            <a:xfrm>
+              <a:off x="6671225" y="3240506"/>
+              <a:ext cx="1305426" cy="1014204"/>
+            </a:xfrm>
+            <a:prstGeom prst="ellipse">
+              <a:avLst/>
+            </a:prstGeom>
+          </p:spPr>
+          <p:style>
+            <a:lnRef idx="2">
+              <a:schemeClr val="dk1"/>
+            </a:lnRef>
+            <a:fillRef idx="1">
+              <a:schemeClr val="lt1"/>
+            </a:fillRef>
+            <a:effectRef idx="0">
+              <a:schemeClr val="dk1"/>
+            </a:effectRef>
+            <a:fontRef idx="minor">
+              <a:schemeClr val="dk1"/>
+            </a:fontRef>
+          </p:style>
+          <p:txBody>
+            <a:bodyPr rtlCol="0" anchor="t"/>
+            <a:lstStyle/>
+            <a:p>
+              <a:endParaRPr lang="en-US" b="1" dirty="0">
+                <a:solidFill>
+                  <a:schemeClr val="dk1"/>
+                </a:solidFill>
+              </a:endParaRPr>
+            </a:p>
+          </p:txBody>
+        </p:sp>
+        <p:sp>
+          <p:nvSpPr>
+            <p:cNvPr id="13" name="Rectangle: Folded Corner 12">
+              <a:extLst>
+                <a:ext uri="{FF2B5EF4-FFF2-40B4-BE49-F238E27FC236}">
+                  <a16:creationId xmlns:a16="http://schemas.microsoft.com/office/drawing/2014/main" id="{64B35350-778D-4043-87A0-766D9A32F279}"/>
+                </a:ext>
+              </a:extLst>
+            </p:cNvPr>
+            <p:cNvSpPr/>
+            <p:nvPr/>
+          </p:nvSpPr>
+          <p:spPr>
+            <a:xfrm>
+              <a:off x="6923544" y="3629769"/>
+              <a:ext cx="836537" cy="423025"/>
+            </a:xfrm>
+            <a:prstGeom prst="foldedCorner">
+              <a:avLst/>
+            </a:prstGeom>
+            <a:solidFill>
+              <a:schemeClr val="bg1">
+                <a:lumMod val="75000"/>
+              </a:schemeClr>
+            </a:solidFill>
+          </p:spPr>
+          <p:style>
+            <a:lnRef idx="2">
+              <a:schemeClr val="dk1"/>
+            </a:lnRef>
+            <a:fillRef idx="1">
+              <a:schemeClr val="lt1"/>
+            </a:fillRef>
+            <a:effectRef idx="0">
+              <a:schemeClr val="dk1"/>
+            </a:effectRef>
+            <a:fontRef idx="minor">
+              <a:schemeClr val="dk1"/>
+            </a:fontRef>
+          </p:style>
+          <p:txBody>
+            <a:bodyPr rtlCol="0" anchor="ctr"/>
+            <a:lstStyle/>
+            <a:p>
+              <a:pPr algn="ctr"/>
+              <a:r>
+                <a:rPr lang="de-DE" sz="1200" dirty="0"/>
+                <a:t>VHD</a:t>
+              </a:r>
+            </a:p>
+            <a:p>
+              <a:pPr algn="ctr"/>
+              <a:r>
+                <a:rPr lang="de-DE" sz="1200" dirty="0"/>
+                <a:t>Page </a:t>
+              </a:r>
+              <a:r>
+                <a:rPr lang="de-DE" sz="1200" dirty="0" err="1"/>
+                <a:t>blob</a:t>
+              </a:r>
+              <a:endParaRPr lang="en-US" sz="1200" dirty="0"/>
+            </a:p>
+          </p:txBody>
+        </p:sp>
+        <p:sp>
+          <p:nvSpPr>
+            <p:cNvPr id="14" name="TextBox 13">
+              <a:extLst>
+                <a:ext uri="{FF2B5EF4-FFF2-40B4-BE49-F238E27FC236}">
+                  <a16:creationId xmlns:a16="http://schemas.microsoft.com/office/drawing/2014/main" id="{63B023C1-2391-4FB5-81E7-E3CF09686F15}"/>
+                </a:ext>
+              </a:extLst>
+            </p:cNvPr>
+            <p:cNvSpPr txBox="1"/>
+            <p:nvPr/>
+          </p:nvSpPr>
+          <p:spPr>
+            <a:xfrm>
+              <a:off x="6896577" y="3284429"/>
+              <a:ext cx="854721" cy="369332"/>
+            </a:xfrm>
+            <a:prstGeom prst="rect">
+              <a:avLst/>
+            </a:prstGeom>
+            <a:noFill/>
+          </p:spPr>
+          <p:txBody>
+            <a:bodyPr wrap="none" rtlCol="0">
+              <a:spAutoFit/>
+            </a:bodyPr>
+            <a:lstStyle/>
+            <a:p>
+              <a:pPr algn="ctr"/>
+              <a:r>
+                <a:rPr lang="en-US" sz="900" dirty="0" err="1"/>
+                <a:t>Mgmt</a:t>
+              </a:r>
+              <a:r>
+                <a:rPr lang="en-US" sz="900" dirty="0"/>
+                <a:t> Storage</a:t>
+              </a:r>
+            </a:p>
+            <a:p>
+              <a:pPr algn="ctr"/>
+              <a:r>
+                <a:rPr lang="de-DE" sz="900" dirty="0"/>
+                <a:t>E</a:t>
+              </a:r>
+              <a:r>
+                <a:rPr lang="en-US" sz="900" dirty="0"/>
+                <a:t>U West</a:t>
+              </a:r>
+            </a:p>
+          </p:txBody>
+        </p:sp>
+      </p:grpSp>
+      <p:grpSp>
+        <p:nvGrpSpPr>
+          <p:cNvPr id="30" name="Group 29">
+            <a:extLst>
+              <a:ext uri="{FF2B5EF4-FFF2-40B4-BE49-F238E27FC236}">
+                <a16:creationId xmlns:a16="http://schemas.microsoft.com/office/drawing/2014/main" id="{41263041-D9F8-44CA-BE0D-9E294751E5ED}"/>
+              </a:ext>
+            </a:extLst>
+          </p:cNvPr>
+          <p:cNvGrpSpPr/>
+          <p:nvPr/>
+        </p:nvGrpSpPr>
+        <p:grpSpPr>
+          <a:xfrm>
+            <a:off x="3376021" y="3748940"/>
+            <a:ext cx="1305426" cy="1014204"/>
+            <a:chOff x="2870608" y="1778440"/>
+            <a:chExt cx="1305426" cy="1014204"/>
+          </a:xfrm>
+        </p:grpSpPr>
+        <p:sp>
+          <p:nvSpPr>
+            <p:cNvPr id="15" name="Oval 14">
+              <a:extLst>
+                <a:ext uri="{FF2B5EF4-FFF2-40B4-BE49-F238E27FC236}">
+                  <a16:creationId xmlns:a16="http://schemas.microsoft.com/office/drawing/2014/main" id="{A9D3001A-1127-4225-BF1D-2D3365045B04}"/>
+                </a:ext>
+              </a:extLst>
+            </p:cNvPr>
+            <p:cNvSpPr/>
+            <p:nvPr/>
+          </p:nvSpPr>
+          <p:spPr>
+            <a:xfrm>
+              <a:off x="2870608" y="1778440"/>
+              <a:ext cx="1305426" cy="1014204"/>
+            </a:xfrm>
+            <a:prstGeom prst="ellipse">
+              <a:avLst/>
+            </a:prstGeom>
+          </p:spPr>
+          <p:style>
+            <a:lnRef idx="2">
+              <a:schemeClr val="dk1"/>
+            </a:lnRef>
+            <a:fillRef idx="1">
+              <a:schemeClr val="lt1"/>
+            </a:fillRef>
+            <a:effectRef idx="0">
+              <a:schemeClr val="dk1"/>
+            </a:effectRef>
+            <a:fontRef idx="minor">
+              <a:schemeClr val="dk1"/>
+            </a:fontRef>
+          </p:style>
+          <p:txBody>
+            <a:bodyPr rtlCol="0" anchor="t"/>
+            <a:lstStyle/>
+            <a:p>
+              <a:endParaRPr lang="en-US" b="1" dirty="0">
+                <a:solidFill>
+                  <a:schemeClr val="dk1"/>
+                </a:solidFill>
+              </a:endParaRPr>
+            </a:p>
+          </p:txBody>
+        </p:sp>
+        <p:sp>
+          <p:nvSpPr>
+            <p:cNvPr id="16" name="Rectangle: Folded Corner 15">
+              <a:extLst>
+                <a:ext uri="{FF2B5EF4-FFF2-40B4-BE49-F238E27FC236}">
+                  <a16:creationId xmlns:a16="http://schemas.microsoft.com/office/drawing/2014/main" id="{64E1558E-6415-4A2C-927C-40226D64E70E}"/>
+                </a:ext>
+              </a:extLst>
+            </p:cNvPr>
+            <p:cNvSpPr/>
+            <p:nvPr/>
+          </p:nvSpPr>
+          <p:spPr>
+            <a:xfrm>
+              <a:off x="3122927" y="2167703"/>
+              <a:ext cx="836537" cy="423025"/>
+            </a:xfrm>
+            <a:prstGeom prst="foldedCorner">
+              <a:avLst/>
+            </a:prstGeom>
+            <a:solidFill>
+              <a:schemeClr val="bg1">
+                <a:lumMod val="75000"/>
+              </a:schemeClr>
+            </a:solidFill>
+          </p:spPr>
+          <p:style>
+            <a:lnRef idx="2">
+              <a:schemeClr val="dk1"/>
+            </a:lnRef>
+            <a:fillRef idx="1">
+              <a:schemeClr val="lt1"/>
+            </a:fillRef>
+            <a:effectRef idx="0">
+              <a:schemeClr val="dk1"/>
+            </a:effectRef>
+            <a:fontRef idx="minor">
+              <a:schemeClr val="dk1"/>
+            </a:fontRef>
+          </p:style>
+          <p:txBody>
+            <a:bodyPr rtlCol="0" anchor="ctr"/>
+            <a:lstStyle/>
+            <a:p>
+              <a:pPr algn="ctr"/>
+              <a:r>
+                <a:rPr lang="de-DE" sz="1200" dirty="0"/>
+                <a:t>VHD</a:t>
+              </a:r>
+            </a:p>
+            <a:p>
+              <a:pPr algn="ctr"/>
+              <a:r>
+                <a:rPr lang="de-DE" sz="1200" dirty="0"/>
+                <a:t>Page </a:t>
+              </a:r>
+              <a:r>
+                <a:rPr lang="de-DE" sz="1200" dirty="0" err="1"/>
+                <a:t>blob</a:t>
+              </a:r>
+              <a:endParaRPr lang="en-US" sz="1200" dirty="0"/>
+            </a:p>
+          </p:txBody>
+        </p:sp>
+        <p:sp>
+          <p:nvSpPr>
+            <p:cNvPr id="17" name="TextBox 16">
+              <a:extLst>
+                <a:ext uri="{FF2B5EF4-FFF2-40B4-BE49-F238E27FC236}">
+                  <a16:creationId xmlns:a16="http://schemas.microsoft.com/office/drawing/2014/main" id="{942B3A6D-52D7-48CE-957D-4E2EECA98754}"/>
+                </a:ext>
+              </a:extLst>
+            </p:cNvPr>
+            <p:cNvSpPr txBox="1"/>
+            <p:nvPr/>
+          </p:nvSpPr>
+          <p:spPr>
+            <a:xfrm>
+              <a:off x="3095960" y="1822363"/>
+              <a:ext cx="854721" cy="369332"/>
+            </a:xfrm>
+            <a:prstGeom prst="rect">
+              <a:avLst/>
+            </a:prstGeom>
+            <a:noFill/>
+          </p:spPr>
+          <p:txBody>
+            <a:bodyPr wrap="none" rtlCol="0">
+              <a:spAutoFit/>
+            </a:bodyPr>
+            <a:lstStyle/>
+            <a:p>
+              <a:pPr algn="ctr"/>
+              <a:r>
+                <a:rPr lang="en-US" sz="900" dirty="0" err="1"/>
+                <a:t>Mgmt</a:t>
+              </a:r>
+              <a:r>
+                <a:rPr lang="en-US" sz="900" dirty="0"/>
+                <a:t> Storage</a:t>
+              </a:r>
+            </a:p>
+            <a:p>
+              <a:pPr algn="ctr"/>
+              <a:r>
+                <a:rPr lang="de-DE" sz="900" dirty="0"/>
+                <a:t>US </a:t>
+              </a:r>
+              <a:r>
+                <a:rPr lang="en-US" sz="900" dirty="0"/>
+                <a:t>East 2</a:t>
+              </a:r>
+            </a:p>
+          </p:txBody>
+        </p:sp>
+      </p:grpSp>
+      <p:cxnSp>
+        <p:nvCxnSpPr>
+          <p:cNvPr id="19" name="Straight Arrow Connector 18">
+            <a:extLst>
+              <a:ext uri="{FF2B5EF4-FFF2-40B4-BE49-F238E27FC236}">
+                <a16:creationId xmlns:a16="http://schemas.microsoft.com/office/drawing/2014/main" id="{6CFF358B-9082-4D98-858C-34C1E0E49EA9}"/>
+              </a:ext>
+            </a:extLst>
+          </p:cNvPr>
+          <p:cNvCxnSpPr>
+            <a:cxnSpLocks/>
+            <a:stCxn id="6" idx="3"/>
+            <a:endCxn id="13" idx="1"/>
+          </p:cNvCxnSpPr>
+          <p:nvPr/>
+        </p:nvCxnSpPr>
+        <p:spPr>
+          <a:xfrm>
+            <a:off x="5967854" y="4335531"/>
+            <a:ext cx="519023" cy="905962"/>
+          </a:xfrm>
+          <a:prstGeom prst="straightConnector1">
+            <a:avLst/>
+          </a:prstGeom>
+          <a:ln>
+            <a:prstDash val="sysDash"/>
+            <a:tailEnd type="triangle"/>
+          </a:ln>
+        </p:spPr>
+        <p:style>
+          <a:lnRef idx="3">
+            <a:schemeClr val="dk1"/>
+          </a:lnRef>
+          <a:fillRef idx="0">
+            <a:schemeClr val="dk1"/>
+          </a:fillRef>
+          <a:effectRef idx="2">
+            <a:schemeClr val="dk1"/>
+          </a:effectRef>
+          <a:fontRef idx="minor">
+            <a:schemeClr val="tx1"/>
+          </a:fontRef>
+        </p:style>
+      </p:cxnSp>
+      <p:cxnSp>
+        <p:nvCxnSpPr>
+          <p:cNvPr id="20" name="Straight Arrow Connector 19">
+            <a:extLst>
+              <a:ext uri="{FF2B5EF4-FFF2-40B4-BE49-F238E27FC236}">
+                <a16:creationId xmlns:a16="http://schemas.microsoft.com/office/drawing/2014/main" id="{49293318-6798-489F-9DA6-721198C1BA65}"/>
+              </a:ext>
+            </a:extLst>
+          </p:cNvPr>
+          <p:cNvCxnSpPr>
+            <a:cxnSpLocks/>
+            <a:stCxn id="6" idx="3"/>
+            <a:endCxn id="10" idx="1"/>
+          </p:cNvCxnSpPr>
+          <p:nvPr/>
+        </p:nvCxnSpPr>
+        <p:spPr>
+          <a:xfrm flipV="1">
+            <a:off x="5967854" y="3794151"/>
+            <a:ext cx="594323" cy="541380"/>
+          </a:xfrm>
+          <a:prstGeom prst="straightConnector1">
+            <a:avLst/>
+          </a:prstGeom>
+          <a:ln>
+            <a:prstDash val="sysDash"/>
+            <a:tailEnd type="triangle"/>
+          </a:ln>
+        </p:spPr>
+        <p:style>
+          <a:lnRef idx="3">
+            <a:schemeClr val="dk1"/>
+          </a:lnRef>
+          <a:fillRef idx="0">
+            <a:schemeClr val="dk1"/>
+          </a:fillRef>
+          <a:effectRef idx="2">
+            <a:schemeClr val="dk1"/>
+          </a:effectRef>
+          <a:fontRef idx="minor">
+            <a:schemeClr val="tx1"/>
+          </a:fontRef>
+        </p:style>
+      </p:cxnSp>
+      <p:cxnSp>
+        <p:nvCxnSpPr>
+          <p:cNvPr id="23" name="Straight Arrow Connector 22">
+            <a:extLst>
+              <a:ext uri="{FF2B5EF4-FFF2-40B4-BE49-F238E27FC236}">
+                <a16:creationId xmlns:a16="http://schemas.microsoft.com/office/drawing/2014/main" id="{5AE77F9D-0549-4AE3-B54F-883F97ECAEF3}"/>
+              </a:ext>
+            </a:extLst>
+          </p:cNvPr>
+          <p:cNvCxnSpPr>
+            <a:cxnSpLocks/>
+            <a:stCxn id="6" idx="1"/>
+            <a:endCxn id="16" idx="3"/>
+          </p:cNvCxnSpPr>
+          <p:nvPr/>
+        </p:nvCxnSpPr>
+        <p:spPr>
+          <a:xfrm flipH="1">
+            <a:off x="4464877" y="4335531"/>
+            <a:ext cx="666440" cy="14185"/>
+          </a:xfrm>
+          <a:prstGeom prst="straightConnector1">
+            <a:avLst/>
+          </a:prstGeom>
+          <a:ln>
+            <a:prstDash val="sysDash"/>
+            <a:tailEnd type="triangle"/>
+          </a:ln>
+        </p:spPr>
+        <p:style>
+          <a:lnRef idx="3">
+            <a:schemeClr val="dk1"/>
+          </a:lnRef>
+          <a:fillRef idx="0">
+            <a:schemeClr val="dk1"/>
+          </a:fillRef>
+          <a:effectRef idx="2">
+            <a:schemeClr val="dk1"/>
+          </a:effectRef>
+          <a:fontRef idx="minor">
+            <a:schemeClr val="tx1"/>
+          </a:fontRef>
+        </p:style>
+      </p:cxnSp>
+      <p:cxnSp>
+        <p:nvCxnSpPr>
+          <p:cNvPr id="26" name="Straight Arrow Connector 25">
+            <a:extLst>
+              <a:ext uri="{FF2B5EF4-FFF2-40B4-BE49-F238E27FC236}">
+                <a16:creationId xmlns:a16="http://schemas.microsoft.com/office/drawing/2014/main" id="{B8D87EB9-7056-4911-BB12-DFDFB0BACA54}"/>
+              </a:ext>
+            </a:extLst>
+          </p:cNvPr>
+          <p:cNvCxnSpPr>
+            <a:cxnSpLocks/>
+            <a:stCxn id="3" idx="2"/>
+            <a:endCxn id="6" idx="0"/>
+          </p:cNvCxnSpPr>
+          <p:nvPr/>
+        </p:nvCxnSpPr>
+        <p:spPr>
+          <a:xfrm flipH="1">
+            <a:off x="5549586" y="2060604"/>
+            <a:ext cx="138779" cy="2063414"/>
+          </a:xfrm>
+          <a:prstGeom prst="straightConnector1">
+            <a:avLst/>
+          </a:prstGeom>
+          <a:ln>
+            <a:prstDash val="sysDash"/>
+            <a:tailEnd type="triangle"/>
+          </a:ln>
+        </p:spPr>
+        <p:style>
+          <a:lnRef idx="3">
+            <a:schemeClr val="dk1"/>
+          </a:lnRef>
+          <a:fillRef idx="0">
+            <a:schemeClr val="dk1"/>
+          </a:fillRef>
+          <a:effectRef idx="2">
+            <a:schemeClr val="dk1"/>
+          </a:effectRef>
+          <a:fontRef idx="minor">
+            <a:schemeClr val="tx1"/>
+          </a:fontRef>
+        </p:style>
+      </p:cxnSp>
+      <p:grpSp>
+        <p:nvGrpSpPr>
+          <p:cNvPr id="38" name="Group 37">
+            <a:extLst>
+              <a:ext uri="{FF2B5EF4-FFF2-40B4-BE49-F238E27FC236}">
+                <a16:creationId xmlns:a16="http://schemas.microsoft.com/office/drawing/2014/main" id="{53510A02-861C-4C6E-8632-7E14D188C8B6}"/>
+              </a:ext>
+            </a:extLst>
+          </p:cNvPr>
+          <p:cNvGrpSpPr/>
+          <p:nvPr/>
+        </p:nvGrpSpPr>
+        <p:grpSpPr>
+          <a:xfrm>
+            <a:off x="1311837" y="3767963"/>
+            <a:ext cx="1305426" cy="1014204"/>
+            <a:chOff x="2870608" y="1778440"/>
+            <a:chExt cx="1305426" cy="1014204"/>
+          </a:xfrm>
+        </p:grpSpPr>
+        <p:sp>
+          <p:nvSpPr>
+            <p:cNvPr id="39" name="Oval 38">
+              <a:extLst>
+                <a:ext uri="{FF2B5EF4-FFF2-40B4-BE49-F238E27FC236}">
+                  <a16:creationId xmlns:a16="http://schemas.microsoft.com/office/drawing/2014/main" id="{6669075B-6AFE-4A9B-8ECF-6BF7D2C8AAB7}"/>
+                </a:ext>
+              </a:extLst>
+            </p:cNvPr>
+            <p:cNvSpPr/>
+            <p:nvPr/>
+          </p:nvSpPr>
+          <p:spPr>
+            <a:xfrm>
+              <a:off x="2870608" y="1778440"/>
+              <a:ext cx="1305426" cy="1014204"/>
+            </a:xfrm>
+            <a:prstGeom prst="ellipse">
+              <a:avLst/>
+            </a:prstGeom>
+          </p:spPr>
+          <p:style>
+            <a:lnRef idx="2">
+              <a:schemeClr val="dk1"/>
+            </a:lnRef>
+            <a:fillRef idx="1">
+              <a:schemeClr val="lt1"/>
+            </a:fillRef>
+            <a:effectRef idx="0">
+              <a:schemeClr val="dk1"/>
+            </a:effectRef>
+            <a:fontRef idx="minor">
+              <a:schemeClr val="dk1"/>
+            </a:fontRef>
+          </p:style>
+          <p:txBody>
+            <a:bodyPr rtlCol="0" anchor="t"/>
+            <a:lstStyle/>
+            <a:p>
+              <a:endParaRPr lang="en-US" b="1" dirty="0">
+                <a:solidFill>
+                  <a:schemeClr val="dk1"/>
+                </a:solidFill>
+              </a:endParaRPr>
+            </a:p>
+          </p:txBody>
+        </p:sp>
+        <p:sp>
+          <p:nvSpPr>
+            <p:cNvPr id="40" name="Rectangle: Folded Corner 39">
+              <a:extLst>
+                <a:ext uri="{FF2B5EF4-FFF2-40B4-BE49-F238E27FC236}">
+                  <a16:creationId xmlns:a16="http://schemas.microsoft.com/office/drawing/2014/main" id="{B8E2EAB2-2D8E-4443-8637-A54E2D9DB969}"/>
+                </a:ext>
+              </a:extLst>
+            </p:cNvPr>
+            <p:cNvSpPr/>
+            <p:nvPr/>
+          </p:nvSpPr>
+          <p:spPr>
+            <a:xfrm>
+              <a:off x="3122927" y="2167703"/>
+              <a:ext cx="836537" cy="423025"/>
+            </a:xfrm>
+            <a:prstGeom prst="foldedCorner">
+              <a:avLst/>
+            </a:prstGeom>
+            <a:solidFill>
+              <a:schemeClr val="bg1">
+                <a:lumMod val="75000"/>
+              </a:schemeClr>
+            </a:solidFill>
+          </p:spPr>
+          <p:style>
+            <a:lnRef idx="2">
+              <a:schemeClr val="dk1"/>
+            </a:lnRef>
+            <a:fillRef idx="1">
+              <a:schemeClr val="lt1"/>
+            </a:fillRef>
+            <a:effectRef idx="0">
+              <a:schemeClr val="dk1"/>
+            </a:effectRef>
+            <a:fontRef idx="minor">
+              <a:schemeClr val="dk1"/>
+            </a:fontRef>
+          </p:style>
+          <p:txBody>
+            <a:bodyPr rtlCol="0" anchor="ctr"/>
+            <a:lstStyle/>
+            <a:p>
+              <a:pPr algn="ctr"/>
+              <a:r>
+                <a:rPr lang="en-US" sz="1200" dirty="0"/>
+                <a:t>VHD</a:t>
+              </a:r>
+            </a:p>
+            <a:p>
+              <a:pPr algn="ctr"/>
+              <a:r>
+                <a:rPr lang="en-US" sz="1200" dirty="0"/>
+                <a:t>Page blob</a:t>
+              </a:r>
+            </a:p>
+          </p:txBody>
+        </p:sp>
+        <p:sp>
+          <p:nvSpPr>
+            <p:cNvPr id="41" name="TextBox 40">
+              <a:extLst>
+                <a:ext uri="{FF2B5EF4-FFF2-40B4-BE49-F238E27FC236}">
+                  <a16:creationId xmlns:a16="http://schemas.microsoft.com/office/drawing/2014/main" id="{C72E655F-9AA5-4F31-9F50-159C5F4BC91A}"/>
+                </a:ext>
+              </a:extLst>
+            </p:cNvPr>
+            <p:cNvSpPr txBox="1"/>
+            <p:nvPr/>
+          </p:nvSpPr>
+          <p:spPr>
+            <a:xfrm>
+              <a:off x="3010200" y="1822363"/>
+              <a:ext cx="1026243" cy="369332"/>
+            </a:xfrm>
+            <a:prstGeom prst="rect">
+              <a:avLst/>
+            </a:prstGeom>
+            <a:noFill/>
+          </p:spPr>
+          <p:txBody>
+            <a:bodyPr wrap="none" rtlCol="0">
+              <a:spAutoFit/>
+            </a:bodyPr>
+            <a:lstStyle/>
+            <a:p>
+              <a:pPr algn="ctr"/>
+              <a:r>
+                <a:rPr lang="en-US" sz="900" dirty="0"/>
+                <a:t>Customer Storage</a:t>
+              </a:r>
+            </a:p>
+            <a:p>
+              <a:pPr algn="ctr"/>
+              <a:r>
+                <a:rPr lang="de-DE" sz="900" dirty="0"/>
+                <a:t>US </a:t>
+              </a:r>
+              <a:r>
+                <a:rPr lang="en-US" sz="900" dirty="0"/>
+                <a:t>East 2</a:t>
+              </a:r>
+            </a:p>
+          </p:txBody>
+        </p:sp>
+      </p:grpSp>
+      <p:grpSp>
+        <p:nvGrpSpPr>
+          <p:cNvPr id="42" name="Group 41">
+            <a:extLst>
+              <a:ext uri="{FF2B5EF4-FFF2-40B4-BE49-F238E27FC236}">
+                <a16:creationId xmlns:a16="http://schemas.microsoft.com/office/drawing/2014/main" id="{44E2729C-7F02-400E-855A-BE8A2657E0CF}"/>
+              </a:ext>
+            </a:extLst>
+          </p:cNvPr>
+          <p:cNvGrpSpPr/>
+          <p:nvPr/>
+        </p:nvGrpSpPr>
+        <p:grpSpPr>
+          <a:xfrm>
+            <a:off x="8570850" y="4643504"/>
+            <a:ext cx="1305426" cy="1014204"/>
+            <a:chOff x="6671225" y="3240506"/>
+            <a:chExt cx="1305426" cy="1014204"/>
+          </a:xfrm>
+        </p:grpSpPr>
+        <p:sp>
+          <p:nvSpPr>
+            <p:cNvPr id="43" name="Oval 42">
+              <a:extLst>
+                <a:ext uri="{FF2B5EF4-FFF2-40B4-BE49-F238E27FC236}">
+                  <a16:creationId xmlns:a16="http://schemas.microsoft.com/office/drawing/2014/main" id="{4193A868-17C1-438B-B896-2ACA5DB053C8}"/>
+                </a:ext>
+              </a:extLst>
+            </p:cNvPr>
+            <p:cNvSpPr/>
+            <p:nvPr/>
+          </p:nvSpPr>
+          <p:spPr>
+            <a:xfrm>
+              <a:off x="6671225" y="3240506"/>
+              <a:ext cx="1305426" cy="1014204"/>
+            </a:xfrm>
+            <a:prstGeom prst="ellipse">
+              <a:avLst/>
+            </a:prstGeom>
+          </p:spPr>
+          <p:style>
+            <a:lnRef idx="2">
+              <a:schemeClr val="dk1"/>
+            </a:lnRef>
+            <a:fillRef idx="1">
+              <a:schemeClr val="lt1"/>
+            </a:fillRef>
+            <a:effectRef idx="0">
+              <a:schemeClr val="dk1"/>
+            </a:effectRef>
+            <a:fontRef idx="minor">
+              <a:schemeClr val="dk1"/>
+            </a:fontRef>
+          </p:style>
+          <p:txBody>
+            <a:bodyPr rtlCol="0" anchor="t"/>
+            <a:lstStyle/>
+            <a:p>
+              <a:endParaRPr lang="en-US" b="1" dirty="0">
+                <a:solidFill>
+                  <a:schemeClr val="dk1"/>
+                </a:solidFill>
+              </a:endParaRPr>
+            </a:p>
+          </p:txBody>
+        </p:sp>
+        <p:sp>
+          <p:nvSpPr>
+            <p:cNvPr id="44" name="Rectangle: Folded Corner 43">
+              <a:extLst>
+                <a:ext uri="{FF2B5EF4-FFF2-40B4-BE49-F238E27FC236}">
+                  <a16:creationId xmlns:a16="http://schemas.microsoft.com/office/drawing/2014/main" id="{48387D12-D6B3-4D86-81E4-3A4B202D00E8}"/>
+                </a:ext>
+              </a:extLst>
+            </p:cNvPr>
+            <p:cNvSpPr/>
+            <p:nvPr/>
+          </p:nvSpPr>
+          <p:spPr>
+            <a:xfrm>
+              <a:off x="6923544" y="3629769"/>
+              <a:ext cx="836537" cy="423025"/>
+            </a:xfrm>
+            <a:prstGeom prst="foldedCorner">
+              <a:avLst/>
+            </a:prstGeom>
+            <a:solidFill>
+              <a:schemeClr val="bg1">
+                <a:lumMod val="75000"/>
+              </a:schemeClr>
+            </a:solidFill>
+          </p:spPr>
+          <p:style>
+            <a:lnRef idx="2">
+              <a:schemeClr val="dk1"/>
+            </a:lnRef>
+            <a:fillRef idx="1">
+              <a:schemeClr val="lt1"/>
+            </a:fillRef>
+            <a:effectRef idx="0">
+              <a:schemeClr val="dk1"/>
+            </a:effectRef>
+            <a:fontRef idx="minor">
+              <a:schemeClr val="dk1"/>
+            </a:fontRef>
+          </p:style>
+          <p:txBody>
+            <a:bodyPr rtlCol="0" anchor="ctr"/>
+            <a:lstStyle/>
+            <a:p>
+              <a:pPr algn="ctr"/>
+              <a:r>
+                <a:rPr lang="de-DE" sz="1200" dirty="0"/>
+                <a:t>VHD</a:t>
+              </a:r>
+            </a:p>
+            <a:p>
+              <a:pPr algn="ctr"/>
+              <a:r>
+                <a:rPr lang="de-DE" sz="1200" dirty="0"/>
+                <a:t>Page </a:t>
+              </a:r>
+              <a:r>
+                <a:rPr lang="de-DE" sz="1200" dirty="0" err="1"/>
+                <a:t>blob</a:t>
+              </a:r>
+              <a:endParaRPr lang="en-US" sz="1200" dirty="0"/>
+            </a:p>
+          </p:txBody>
+        </p:sp>
+        <p:sp>
+          <p:nvSpPr>
+            <p:cNvPr id="45" name="TextBox 44">
+              <a:extLst>
+                <a:ext uri="{FF2B5EF4-FFF2-40B4-BE49-F238E27FC236}">
+                  <a16:creationId xmlns:a16="http://schemas.microsoft.com/office/drawing/2014/main" id="{E5E0C5DE-F3DB-4C24-A196-2D93E2230025}"/>
+                </a:ext>
+              </a:extLst>
+            </p:cNvPr>
+            <p:cNvSpPr txBox="1"/>
+            <p:nvPr/>
+          </p:nvSpPr>
+          <p:spPr>
+            <a:xfrm>
+              <a:off x="6810819" y="3284429"/>
+              <a:ext cx="1026243" cy="369332"/>
+            </a:xfrm>
+            <a:prstGeom prst="rect">
+              <a:avLst/>
+            </a:prstGeom>
+            <a:noFill/>
+          </p:spPr>
+          <p:txBody>
+            <a:bodyPr wrap="none" rtlCol="0">
+              <a:spAutoFit/>
+            </a:bodyPr>
+            <a:lstStyle/>
+            <a:p>
+              <a:pPr algn="ctr"/>
+              <a:r>
+                <a:rPr lang="en-US" sz="900" dirty="0"/>
+                <a:t>Customer Storage</a:t>
+              </a:r>
+            </a:p>
+            <a:p>
+              <a:pPr algn="ctr"/>
+              <a:r>
+                <a:rPr lang="de-DE" sz="900" dirty="0"/>
+                <a:t>E</a:t>
+              </a:r>
+              <a:r>
+                <a:rPr lang="en-US" sz="900" dirty="0"/>
+                <a:t>U West</a:t>
+              </a:r>
+            </a:p>
+          </p:txBody>
+        </p:sp>
+      </p:grpSp>
+      <p:grpSp>
+        <p:nvGrpSpPr>
+          <p:cNvPr id="46" name="Group 45">
+            <a:extLst>
+              <a:ext uri="{FF2B5EF4-FFF2-40B4-BE49-F238E27FC236}">
+                <a16:creationId xmlns:a16="http://schemas.microsoft.com/office/drawing/2014/main" id="{240153CD-D8DC-4865-8EED-AEA7047346FF}"/>
+              </a:ext>
+            </a:extLst>
+          </p:cNvPr>
+          <p:cNvGrpSpPr/>
+          <p:nvPr/>
+        </p:nvGrpSpPr>
+        <p:grpSpPr>
+          <a:xfrm>
+            <a:off x="8374228" y="3110847"/>
+            <a:ext cx="1305426" cy="1014204"/>
+            <a:chOff x="6474996" y="1271338"/>
+            <a:chExt cx="1305426" cy="1014204"/>
+          </a:xfrm>
+        </p:grpSpPr>
+        <p:sp>
+          <p:nvSpPr>
+            <p:cNvPr id="47" name="Oval 46">
+              <a:extLst>
+                <a:ext uri="{FF2B5EF4-FFF2-40B4-BE49-F238E27FC236}">
+                  <a16:creationId xmlns:a16="http://schemas.microsoft.com/office/drawing/2014/main" id="{8ECD165F-3802-40E5-A4AC-D2DA1562E847}"/>
+                </a:ext>
+              </a:extLst>
+            </p:cNvPr>
+            <p:cNvSpPr/>
+            <p:nvPr/>
+          </p:nvSpPr>
+          <p:spPr>
+            <a:xfrm>
+              <a:off x="6474996" y="1271338"/>
+              <a:ext cx="1305426" cy="1014204"/>
+            </a:xfrm>
+            <a:prstGeom prst="ellipse">
+              <a:avLst/>
+            </a:prstGeom>
+          </p:spPr>
+          <p:style>
+            <a:lnRef idx="2">
+              <a:schemeClr val="dk1"/>
+            </a:lnRef>
+            <a:fillRef idx="1">
+              <a:schemeClr val="lt1"/>
+            </a:fillRef>
+            <a:effectRef idx="0">
+              <a:schemeClr val="dk1"/>
+            </a:effectRef>
+            <a:fontRef idx="minor">
+              <a:schemeClr val="dk1"/>
+            </a:fontRef>
+          </p:style>
+          <p:txBody>
+            <a:bodyPr rtlCol="0" anchor="t"/>
+            <a:lstStyle/>
+            <a:p>
+              <a:endParaRPr lang="en-US" b="1" dirty="0">
+                <a:solidFill>
+                  <a:schemeClr val="dk1"/>
+                </a:solidFill>
+              </a:endParaRPr>
+            </a:p>
+          </p:txBody>
+        </p:sp>
+        <p:sp>
+          <p:nvSpPr>
+            <p:cNvPr id="48" name="Rectangle: Folded Corner 47">
+              <a:extLst>
+                <a:ext uri="{FF2B5EF4-FFF2-40B4-BE49-F238E27FC236}">
+                  <a16:creationId xmlns:a16="http://schemas.microsoft.com/office/drawing/2014/main" id="{090D88F5-FB1A-4983-83F0-3D3F5AAE8457}"/>
+                </a:ext>
+              </a:extLst>
+            </p:cNvPr>
+            <p:cNvSpPr/>
+            <p:nvPr/>
+          </p:nvSpPr>
+          <p:spPr>
+            <a:xfrm>
+              <a:off x="6727315" y="1660601"/>
+              <a:ext cx="836537" cy="423025"/>
+            </a:xfrm>
+            <a:prstGeom prst="foldedCorner">
+              <a:avLst/>
+            </a:prstGeom>
+            <a:solidFill>
+              <a:schemeClr val="bg1">
+                <a:lumMod val="75000"/>
+              </a:schemeClr>
+            </a:solidFill>
+          </p:spPr>
+          <p:style>
+            <a:lnRef idx="2">
+              <a:schemeClr val="dk1"/>
+            </a:lnRef>
+            <a:fillRef idx="1">
+              <a:schemeClr val="lt1"/>
+            </a:fillRef>
+            <a:effectRef idx="0">
+              <a:schemeClr val="dk1"/>
+            </a:effectRef>
+            <a:fontRef idx="minor">
+              <a:schemeClr val="dk1"/>
+            </a:fontRef>
+          </p:style>
+          <p:txBody>
+            <a:bodyPr rtlCol="0" anchor="ctr"/>
+            <a:lstStyle/>
+            <a:p>
+              <a:pPr algn="ctr"/>
+              <a:r>
+                <a:rPr lang="de-DE" sz="1200" dirty="0"/>
+                <a:t>VHD</a:t>
+              </a:r>
+            </a:p>
+            <a:p>
+              <a:pPr algn="ctr"/>
+              <a:r>
+                <a:rPr lang="de-DE" sz="1200" dirty="0"/>
+                <a:t>Page </a:t>
+              </a:r>
+              <a:r>
+                <a:rPr lang="de-DE" sz="1200" dirty="0" err="1"/>
+                <a:t>blob</a:t>
+              </a:r>
+              <a:endParaRPr lang="en-US" sz="1200" dirty="0"/>
+            </a:p>
+          </p:txBody>
+        </p:sp>
+        <p:sp>
+          <p:nvSpPr>
+            <p:cNvPr id="49" name="TextBox 48">
+              <a:extLst>
+                <a:ext uri="{FF2B5EF4-FFF2-40B4-BE49-F238E27FC236}">
+                  <a16:creationId xmlns:a16="http://schemas.microsoft.com/office/drawing/2014/main" id="{C730D528-2555-48A3-84CB-AC0C22A0A624}"/>
+                </a:ext>
+              </a:extLst>
+            </p:cNvPr>
+            <p:cNvSpPr txBox="1"/>
+            <p:nvPr/>
+          </p:nvSpPr>
+          <p:spPr>
+            <a:xfrm>
+              <a:off x="6614590" y="1315261"/>
+              <a:ext cx="1026243" cy="369332"/>
+            </a:xfrm>
+            <a:prstGeom prst="rect">
+              <a:avLst/>
+            </a:prstGeom>
+            <a:noFill/>
+          </p:spPr>
+          <p:txBody>
+            <a:bodyPr wrap="none" rtlCol="0">
+              <a:spAutoFit/>
+            </a:bodyPr>
+            <a:lstStyle/>
+            <a:p>
+              <a:pPr algn="ctr"/>
+              <a:r>
+                <a:rPr lang="en-US" sz="900" dirty="0"/>
+                <a:t>Customer Storage</a:t>
+              </a:r>
+            </a:p>
+            <a:p>
+              <a:pPr algn="ctr"/>
+              <a:r>
+                <a:rPr lang="de-DE" sz="900" dirty="0"/>
+                <a:t>E</a:t>
+              </a:r>
+              <a:r>
+                <a:rPr lang="en-US" sz="900" dirty="0"/>
+                <a:t>U North</a:t>
+              </a:r>
+            </a:p>
+          </p:txBody>
+        </p:sp>
+      </p:grpSp>
+      <p:cxnSp>
+        <p:nvCxnSpPr>
+          <p:cNvPr id="50" name="Straight Arrow Connector 49">
+            <a:extLst>
+              <a:ext uri="{FF2B5EF4-FFF2-40B4-BE49-F238E27FC236}">
+                <a16:creationId xmlns:a16="http://schemas.microsoft.com/office/drawing/2014/main" id="{F4865F05-026B-4E3C-86E6-7FCE202804D7}"/>
+              </a:ext>
+            </a:extLst>
+          </p:cNvPr>
+          <p:cNvCxnSpPr>
+            <a:cxnSpLocks/>
+            <a:stCxn id="13" idx="3"/>
+            <a:endCxn id="44" idx="1"/>
+          </p:cNvCxnSpPr>
+          <p:nvPr/>
+        </p:nvCxnSpPr>
+        <p:spPr>
+          <a:xfrm>
+            <a:off x="7323414" y="5241493"/>
+            <a:ext cx="1499755" cy="2787"/>
+          </a:xfrm>
+          <a:prstGeom prst="straightConnector1">
+            <a:avLst/>
+          </a:prstGeom>
+          <a:ln>
+            <a:prstDash val="sysDash"/>
+            <a:tailEnd type="triangle"/>
+          </a:ln>
+        </p:spPr>
+        <p:style>
+          <a:lnRef idx="3">
+            <a:schemeClr val="dk1"/>
+          </a:lnRef>
+          <a:fillRef idx="0">
+            <a:schemeClr val="dk1"/>
+          </a:fillRef>
+          <a:effectRef idx="2">
+            <a:schemeClr val="dk1"/>
+          </a:effectRef>
+          <a:fontRef idx="minor">
+            <a:schemeClr val="tx1"/>
+          </a:fontRef>
+        </p:style>
+      </p:cxnSp>
+      <p:cxnSp>
+        <p:nvCxnSpPr>
+          <p:cNvPr id="53" name="Straight Arrow Connector 52">
+            <a:extLst>
+              <a:ext uri="{FF2B5EF4-FFF2-40B4-BE49-F238E27FC236}">
+                <a16:creationId xmlns:a16="http://schemas.microsoft.com/office/drawing/2014/main" id="{0F25038A-B0F2-4B63-8F47-01F959788005}"/>
+              </a:ext>
+            </a:extLst>
+          </p:cNvPr>
+          <p:cNvCxnSpPr>
+            <a:cxnSpLocks/>
+            <a:stCxn id="10" idx="3"/>
+            <a:endCxn id="48" idx="1"/>
+          </p:cNvCxnSpPr>
+          <p:nvPr/>
+        </p:nvCxnSpPr>
+        <p:spPr>
+          <a:xfrm flipV="1">
+            <a:off x="7398714" y="3711623"/>
+            <a:ext cx="1227833" cy="82528"/>
+          </a:xfrm>
+          <a:prstGeom prst="straightConnector1">
+            <a:avLst/>
+          </a:prstGeom>
+          <a:ln>
+            <a:prstDash val="sysDash"/>
+            <a:tailEnd type="triangle"/>
+          </a:ln>
+        </p:spPr>
+        <p:style>
+          <a:lnRef idx="3">
+            <a:schemeClr val="dk1"/>
+          </a:lnRef>
+          <a:fillRef idx="0">
+            <a:schemeClr val="dk1"/>
+          </a:fillRef>
+          <a:effectRef idx="2">
+            <a:schemeClr val="dk1"/>
+          </a:effectRef>
+          <a:fontRef idx="minor">
+            <a:schemeClr val="tx1"/>
+          </a:fontRef>
+        </p:style>
+      </p:cxnSp>
+      <p:cxnSp>
+        <p:nvCxnSpPr>
+          <p:cNvPr id="56" name="Straight Arrow Connector 55">
+            <a:extLst>
+              <a:ext uri="{FF2B5EF4-FFF2-40B4-BE49-F238E27FC236}">
+                <a16:creationId xmlns:a16="http://schemas.microsoft.com/office/drawing/2014/main" id="{435412D0-BA8A-4DEC-9BFE-18F0BB99E809}"/>
+              </a:ext>
+            </a:extLst>
+          </p:cNvPr>
+          <p:cNvCxnSpPr>
+            <a:cxnSpLocks/>
+            <a:stCxn id="16" idx="1"/>
+            <a:endCxn id="40" idx="3"/>
+          </p:cNvCxnSpPr>
+          <p:nvPr/>
+        </p:nvCxnSpPr>
+        <p:spPr>
+          <a:xfrm flipH="1">
+            <a:off x="2400693" y="4349716"/>
+            <a:ext cx="1227647" cy="19023"/>
+          </a:xfrm>
+          <a:prstGeom prst="straightConnector1">
+            <a:avLst/>
+          </a:prstGeom>
+          <a:ln>
+            <a:prstDash val="sysDash"/>
+            <a:tailEnd type="triangle"/>
+          </a:ln>
+        </p:spPr>
+        <p:style>
+          <a:lnRef idx="3">
+            <a:schemeClr val="dk1"/>
+          </a:lnRef>
+          <a:fillRef idx="0">
+            <a:schemeClr val="dk1"/>
+          </a:fillRef>
+          <a:effectRef idx="2">
+            <a:schemeClr val="dk1"/>
+          </a:effectRef>
+          <a:fontRef idx="minor">
+            <a:schemeClr val="tx1"/>
+          </a:fontRef>
+        </p:style>
+      </p:cxnSp>
+      <p:sp>
+        <p:nvSpPr>
+          <p:cNvPr id="71" name="TextBox 70">
+            <a:extLst>
+              <a:ext uri="{FF2B5EF4-FFF2-40B4-BE49-F238E27FC236}">
+                <a16:creationId xmlns:a16="http://schemas.microsoft.com/office/drawing/2014/main" id="{8AE6CDA8-9D26-456D-BF30-6B976BBBF6FB}"/>
+              </a:ext>
+            </a:extLst>
+          </p:cNvPr>
+          <p:cNvSpPr txBox="1"/>
+          <p:nvPr/>
+        </p:nvSpPr>
+        <p:spPr>
+          <a:xfrm>
+            <a:off x="4806284" y="5167614"/>
+            <a:ext cx="1165768" cy="523220"/>
+          </a:xfrm>
+          <a:prstGeom prst="rect">
+            <a:avLst/>
+          </a:prstGeom>
+          <a:noFill/>
+        </p:spPr>
+        <p:txBody>
+          <a:bodyPr wrap="none" rtlCol="0">
+            <a:spAutoFit/>
+          </a:bodyPr>
+          <a:lstStyle/>
+          <a:p>
+            <a:r>
+              <a:rPr lang="de-DE" sz="1400" dirty="0"/>
+              <a:t>Management</a:t>
+            </a:r>
+          </a:p>
+          <a:p>
+            <a:r>
+              <a:rPr lang="de-DE" sz="1400" dirty="0" err="1"/>
+              <a:t>Subscription</a:t>
+            </a:r>
+            <a:endParaRPr lang="en-US" sz="1400" dirty="0"/>
+          </a:p>
+        </p:txBody>
+      </p:sp>
+      <p:sp>
+        <p:nvSpPr>
+          <p:cNvPr id="72" name="TextBox 71">
+            <a:extLst>
+              <a:ext uri="{FF2B5EF4-FFF2-40B4-BE49-F238E27FC236}">
+                <a16:creationId xmlns:a16="http://schemas.microsoft.com/office/drawing/2014/main" id="{44339E6C-2440-4087-ADCD-D073A683CB62}"/>
+              </a:ext>
+            </a:extLst>
+          </p:cNvPr>
+          <p:cNvSpPr txBox="1"/>
+          <p:nvPr/>
+        </p:nvSpPr>
+        <p:spPr>
+          <a:xfrm>
+            <a:off x="2198431" y="2882134"/>
+            <a:ext cx="1090298" cy="523220"/>
+          </a:xfrm>
+          <a:prstGeom prst="rect">
+            <a:avLst/>
+          </a:prstGeom>
+          <a:noFill/>
+        </p:spPr>
+        <p:txBody>
+          <a:bodyPr wrap="none" rtlCol="0">
+            <a:spAutoFit/>
+          </a:bodyPr>
+          <a:lstStyle/>
+          <a:p>
+            <a:r>
+              <a:rPr lang="en-US" sz="1400"/>
+              <a:t>Customer</a:t>
+            </a:r>
+          </a:p>
+          <a:p>
+            <a:r>
+              <a:rPr lang="en-US" sz="1400"/>
+              <a:t>Subscription</a:t>
+            </a:r>
+          </a:p>
+        </p:txBody>
+      </p:sp>
+      <p:sp>
+        <p:nvSpPr>
+          <p:cNvPr id="73" name="TextBox 72">
+            <a:extLst>
+              <a:ext uri="{FF2B5EF4-FFF2-40B4-BE49-F238E27FC236}">
+                <a16:creationId xmlns:a16="http://schemas.microsoft.com/office/drawing/2014/main" id="{E3B0E7D2-74F8-4653-8091-51C3ADA4E0DC}"/>
+              </a:ext>
+            </a:extLst>
+          </p:cNvPr>
+          <p:cNvSpPr txBox="1"/>
+          <p:nvPr/>
+        </p:nvSpPr>
+        <p:spPr>
+          <a:xfrm rot="16200000">
+            <a:off x="375079" y="4102938"/>
+            <a:ext cx="870751" cy="430887"/>
+          </a:xfrm>
+          <a:prstGeom prst="rect">
+            <a:avLst/>
+          </a:prstGeom>
+          <a:noFill/>
+        </p:spPr>
+        <p:txBody>
+          <a:bodyPr wrap="none" rtlCol="0">
+            <a:spAutoFit/>
+          </a:bodyPr>
+          <a:lstStyle/>
+          <a:p>
+            <a:pPr algn="ctr"/>
+            <a:r>
+              <a:rPr lang="de-DE" sz="1050" dirty="0"/>
+              <a:t>US East 2</a:t>
+            </a:r>
+          </a:p>
+          <a:p>
+            <a:pPr algn="ctr"/>
+            <a:r>
+              <a:rPr lang="de-DE" sz="1050" dirty="0"/>
+              <a:t>Data Center</a:t>
+            </a:r>
+            <a:endParaRPr lang="en-US" sz="1050" dirty="0"/>
+          </a:p>
+        </p:txBody>
+      </p:sp>
+      <p:sp>
+        <p:nvSpPr>
+          <p:cNvPr id="74" name="TextBox 73">
+            <a:extLst>
+              <a:ext uri="{FF2B5EF4-FFF2-40B4-BE49-F238E27FC236}">
+                <a16:creationId xmlns:a16="http://schemas.microsoft.com/office/drawing/2014/main" id="{072FE630-235A-433D-84A9-368EA62229D1}"/>
+              </a:ext>
+            </a:extLst>
+          </p:cNvPr>
+          <p:cNvSpPr txBox="1"/>
+          <p:nvPr/>
+        </p:nvSpPr>
+        <p:spPr>
+          <a:xfrm rot="16200000">
+            <a:off x="10291183" y="4953249"/>
+            <a:ext cx="870751" cy="430887"/>
+          </a:xfrm>
+          <a:prstGeom prst="rect">
+            <a:avLst/>
+          </a:prstGeom>
+          <a:noFill/>
+        </p:spPr>
+        <p:txBody>
+          <a:bodyPr wrap="none" rtlCol="0">
+            <a:spAutoFit/>
+          </a:bodyPr>
+          <a:lstStyle/>
+          <a:p>
+            <a:pPr algn="ctr"/>
+            <a:r>
+              <a:rPr lang="de-DE" sz="1050" dirty="0"/>
+              <a:t>EU West</a:t>
+            </a:r>
+          </a:p>
+          <a:p>
+            <a:pPr algn="ctr"/>
+            <a:r>
+              <a:rPr lang="de-DE" sz="1050" dirty="0"/>
+              <a:t>Data Center</a:t>
+            </a:r>
+            <a:endParaRPr lang="en-US" sz="1050" dirty="0"/>
+          </a:p>
+        </p:txBody>
+      </p:sp>
+      <p:sp>
+        <p:nvSpPr>
+          <p:cNvPr id="75" name="TextBox 74">
+            <a:extLst>
+              <a:ext uri="{FF2B5EF4-FFF2-40B4-BE49-F238E27FC236}">
+                <a16:creationId xmlns:a16="http://schemas.microsoft.com/office/drawing/2014/main" id="{68DDACA5-C492-463F-AF27-000CA3BD2D03}"/>
+              </a:ext>
+            </a:extLst>
+          </p:cNvPr>
+          <p:cNvSpPr txBox="1"/>
+          <p:nvPr/>
+        </p:nvSpPr>
+        <p:spPr>
+          <a:xfrm rot="16200000">
+            <a:off x="10244047" y="3457230"/>
+            <a:ext cx="870751" cy="430887"/>
+          </a:xfrm>
+          <a:prstGeom prst="rect">
+            <a:avLst/>
+          </a:prstGeom>
+          <a:noFill/>
+        </p:spPr>
+        <p:txBody>
+          <a:bodyPr wrap="none" rtlCol="0">
+            <a:spAutoFit/>
+          </a:bodyPr>
+          <a:lstStyle/>
+          <a:p>
+            <a:pPr algn="ctr"/>
+            <a:r>
+              <a:rPr lang="de-DE" sz="1050" dirty="0"/>
+              <a:t>EU North</a:t>
+            </a:r>
+          </a:p>
+          <a:p>
+            <a:pPr algn="ctr"/>
+            <a:r>
+              <a:rPr lang="de-DE" sz="1050" dirty="0"/>
+              <a:t>Data Center</a:t>
+            </a:r>
+            <a:endParaRPr lang="en-US" sz="1050" dirty="0"/>
+          </a:p>
+        </p:txBody>
+      </p:sp>
+      <p:sp>
+        <p:nvSpPr>
+          <p:cNvPr id="76" name="Rectangle: Folded Corner 75">
+            <a:extLst>
+              <a:ext uri="{FF2B5EF4-FFF2-40B4-BE49-F238E27FC236}">
+                <a16:creationId xmlns:a16="http://schemas.microsoft.com/office/drawing/2014/main" id="{D3D7AA9E-F326-4077-A988-F797429CCE93}"/>
+              </a:ext>
+            </a:extLst>
+          </p:cNvPr>
+          <p:cNvSpPr/>
+          <p:nvPr/>
+        </p:nvSpPr>
+        <p:spPr>
+          <a:xfrm>
+            <a:off x="9683436" y="3846820"/>
+            <a:ext cx="644722" cy="351320"/>
+          </a:xfrm>
+          <a:prstGeom prst="foldedCorner">
+            <a:avLst/>
+          </a:prstGeom>
+          <a:solidFill>
+            <a:schemeClr val="bg1">
+              <a:lumMod val="75000"/>
+            </a:schemeClr>
+          </a:solidFill>
+        </p:spPr>
+        <p:style>
+          <a:lnRef idx="2">
+            <a:schemeClr val="dk1"/>
+          </a:lnRef>
+          <a:fillRef idx="1">
+            <a:schemeClr val="lt1"/>
+          </a:fillRef>
+          <a:effectRef idx="0">
+            <a:schemeClr val="dk1"/>
+          </a:effectRef>
+          <a:fontRef idx="minor">
+            <a:schemeClr val="dk1"/>
+          </a:fontRef>
+        </p:style>
+        <p:txBody>
+          <a:bodyPr rtlCol="0" anchor="ctr"/>
+          <a:lstStyle/>
+          <a:p>
+            <a:pPr algn="ctr"/>
+            <a:r>
+              <a:rPr lang="en-US" sz="900"/>
+              <a:t>Managed Image</a:t>
+            </a:r>
+          </a:p>
+        </p:txBody>
+      </p:sp>
+      <p:cxnSp>
+        <p:nvCxnSpPr>
+          <p:cNvPr id="77" name="Straight Arrow Connector 76">
+            <a:extLst>
+              <a:ext uri="{FF2B5EF4-FFF2-40B4-BE49-F238E27FC236}">
+                <a16:creationId xmlns:a16="http://schemas.microsoft.com/office/drawing/2014/main" id="{4C7AC967-8A03-4EDA-9939-64F7110D4C82}"/>
+              </a:ext>
+            </a:extLst>
+          </p:cNvPr>
+          <p:cNvCxnSpPr>
+            <a:cxnSpLocks/>
+            <a:stCxn id="48" idx="3"/>
+            <a:endCxn id="76" idx="1"/>
+          </p:cNvCxnSpPr>
+          <p:nvPr/>
+        </p:nvCxnSpPr>
+        <p:spPr>
+          <a:xfrm>
+            <a:off x="9463084" y="3711623"/>
+            <a:ext cx="220352" cy="310857"/>
+          </a:xfrm>
+          <a:prstGeom prst="straightConnector1">
+            <a:avLst/>
+          </a:prstGeom>
+          <a:ln>
+            <a:prstDash val="sysDash"/>
+            <a:tailEnd type="triangle"/>
+          </a:ln>
+        </p:spPr>
+        <p:style>
+          <a:lnRef idx="3">
+            <a:schemeClr val="dk1"/>
+          </a:lnRef>
+          <a:fillRef idx="0">
+            <a:schemeClr val="dk1"/>
+          </a:fillRef>
+          <a:effectRef idx="2">
+            <a:schemeClr val="dk1"/>
+          </a:effectRef>
+          <a:fontRef idx="minor">
+            <a:schemeClr val="tx1"/>
+          </a:fontRef>
+        </p:style>
+      </p:cxnSp>
+      <p:cxnSp>
+        <p:nvCxnSpPr>
+          <p:cNvPr id="80" name="Straight Arrow Connector 79">
+            <a:extLst>
+              <a:ext uri="{FF2B5EF4-FFF2-40B4-BE49-F238E27FC236}">
+                <a16:creationId xmlns:a16="http://schemas.microsoft.com/office/drawing/2014/main" id="{58E1318A-E36F-4305-8783-7B9709ED2FA3}"/>
+              </a:ext>
+            </a:extLst>
+          </p:cNvPr>
+          <p:cNvCxnSpPr>
+            <a:cxnSpLocks/>
+            <a:stCxn id="44" idx="2"/>
+            <a:endCxn id="81" idx="3"/>
+          </p:cNvCxnSpPr>
+          <p:nvPr/>
+        </p:nvCxnSpPr>
+        <p:spPr>
+          <a:xfrm flipH="1">
+            <a:off x="8749282" y="5455792"/>
+            <a:ext cx="492156" cy="85398"/>
+          </a:xfrm>
+          <a:prstGeom prst="straightConnector1">
+            <a:avLst/>
+          </a:prstGeom>
+          <a:ln>
+            <a:prstDash val="sysDash"/>
+            <a:tailEnd type="triangle"/>
+          </a:ln>
+        </p:spPr>
+        <p:style>
+          <a:lnRef idx="3">
+            <a:schemeClr val="dk1"/>
+          </a:lnRef>
+          <a:fillRef idx="0">
+            <a:schemeClr val="dk1"/>
+          </a:fillRef>
+          <a:effectRef idx="2">
+            <a:schemeClr val="dk1"/>
+          </a:effectRef>
+          <a:fontRef idx="minor">
+            <a:schemeClr val="tx1"/>
+          </a:fontRef>
+        </p:style>
+      </p:cxnSp>
+      <p:sp>
+        <p:nvSpPr>
+          <p:cNvPr id="81" name="Rectangle: Folded Corner 80">
+            <a:extLst>
+              <a:ext uri="{FF2B5EF4-FFF2-40B4-BE49-F238E27FC236}">
+                <a16:creationId xmlns:a16="http://schemas.microsoft.com/office/drawing/2014/main" id="{74A5DF62-FB35-4BE5-B4EE-8A0C4581962B}"/>
+              </a:ext>
+            </a:extLst>
+          </p:cNvPr>
+          <p:cNvSpPr/>
+          <p:nvPr/>
+        </p:nvSpPr>
+        <p:spPr>
+          <a:xfrm>
+            <a:off x="8104560" y="5365530"/>
+            <a:ext cx="644722" cy="351320"/>
+          </a:xfrm>
+          <a:prstGeom prst="foldedCorner">
+            <a:avLst/>
+          </a:prstGeom>
+          <a:solidFill>
+            <a:schemeClr val="bg1">
+              <a:lumMod val="75000"/>
+            </a:schemeClr>
+          </a:solidFill>
+        </p:spPr>
+        <p:style>
+          <a:lnRef idx="2">
+            <a:schemeClr val="dk1"/>
+          </a:lnRef>
+          <a:fillRef idx="1">
+            <a:schemeClr val="lt1"/>
+          </a:fillRef>
+          <a:effectRef idx="0">
+            <a:schemeClr val="dk1"/>
+          </a:effectRef>
+          <a:fontRef idx="minor">
+            <a:schemeClr val="dk1"/>
+          </a:fontRef>
+        </p:style>
+        <p:txBody>
+          <a:bodyPr rtlCol="0" anchor="ctr"/>
+          <a:lstStyle/>
+          <a:p>
+            <a:pPr algn="ctr"/>
+            <a:r>
+              <a:rPr lang="en-US" sz="900"/>
+              <a:t>Managed Image</a:t>
+            </a:r>
+          </a:p>
+        </p:txBody>
+      </p:sp>
+      <p:cxnSp>
+        <p:nvCxnSpPr>
+          <p:cNvPr id="84" name="Straight Arrow Connector 83">
+            <a:extLst>
+              <a:ext uri="{FF2B5EF4-FFF2-40B4-BE49-F238E27FC236}">
+                <a16:creationId xmlns:a16="http://schemas.microsoft.com/office/drawing/2014/main" id="{9900C305-7574-4E36-BC07-8CA03D4451DF}"/>
+              </a:ext>
+            </a:extLst>
+          </p:cNvPr>
+          <p:cNvCxnSpPr>
+            <a:cxnSpLocks/>
+            <a:stCxn id="40" idx="2"/>
+            <a:endCxn id="85" idx="1"/>
+          </p:cNvCxnSpPr>
+          <p:nvPr/>
+        </p:nvCxnSpPr>
+        <p:spPr>
+          <a:xfrm>
+            <a:off x="1982425" y="4580251"/>
+            <a:ext cx="257402" cy="370074"/>
+          </a:xfrm>
+          <a:prstGeom prst="straightConnector1">
+            <a:avLst/>
+          </a:prstGeom>
+          <a:ln>
+            <a:prstDash val="sysDash"/>
+            <a:tailEnd type="triangle"/>
+          </a:ln>
+        </p:spPr>
+        <p:style>
+          <a:lnRef idx="3">
+            <a:schemeClr val="dk1"/>
+          </a:lnRef>
+          <a:fillRef idx="0">
+            <a:schemeClr val="dk1"/>
+          </a:fillRef>
+          <a:effectRef idx="2">
+            <a:schemeClr val="dk1"/>
+          </a:effectRef>
+          <a:fontRef idx="minor">
+            <a:schemeClr val="tx1"/>
+          </a:fontRef>
+        </p:style>
+      </p:cxnSp>
+      <p:sp>
+        <p:nvSpPr>
+          <p:cNvPr id="85" name="Rectangle: Folded Corner 84">
+            <a:extLst>
+              <a:ext uri="{FF2B5EF4-FFF2-40B4-BE49-F238E27FC236}">
+                <a16:creationId xmlns:a16="http://schemas.microsoft.com/office/drawing/2014/main" id="{4FE3294B-4EFF-4AF2-B71C-63A50B114841}"/>
+              </a:ext>
+            </a:extLst>
+          </p:cNvPr>
+          <p:cNvSpPr/>
+          <p:nvPr/>
+        </p:nvSpPr>
+        <p:spPr>
+          <a:xfrm>
+            <a:off x="2239827" y="4774665"/>
+            <a:ext cx="644722" cy="351320"/>
+          </a:xfrm>
+          <a:prstGeom prst="foldedCorner">
+            <a:avLst/>
+          </a:prstGeom>
+          <a:solidFill>
+            <a:schemeClr val="bg1">
+              <a:lumMod val="75000"/>
+            </a:schemeClr>
+          </a:solidFill>
+        </p:spPr>
+        <p:style>
+          <a:lnRef idx="2">
+            <a:schemeClr val="dk1"/>
+          </a:lnRef>
+          <a:fillRef idx="1">
+            <a:schemeClr val="lt1"/>
+          </a:fillRef>
+          <a:effectRef idx="0">
+            <a:schemeClr val="dk1"/>
+          </a:effectRef>
+          <a:fontRef idx="minor">
+            <a:schemeClr val="dk1"/>
+          </a:fontRef>
+        </p:style>
+        <p:txBody>
+          <a:bodyPr rtlCol="0" anchor="ctr"/>
+          <a:lstStyle/>
+          <a:p>
+            <a:pPr algn="ctr"/>
+            <a:r>
+              <a:rPr lang="en-US" sz="900" dirty="0"/>
+              <a:t>Managed Image</a:t>
+            </a:r>
+          </a:p>
+        </p:txBody>
+      </p:sp>
+    </p:spTree>
+    <p:extLst>
+      <p:ext uri="{BB962C8B-B14F-4D97-AF65-F5344CB8AC3E}">
+        <p14:creationId xmlns:p14="http://schemas.microsoft.com/office/powerpoint/2010/main" val="4118360566"/>
       </p:ext>
     </p:extLst>
   </p:cSld>
